--- a/Turma 462 - Outubro 2017/Aula 2/Aula de Excel 2.pptx
+++ b/Turma 462 - Outubro 2017/Aula 2/Aula de Excel 2.pptx
@@ -5,17 +5,14 @@
     <p:sldMasterId id="2147483678" r:id="rId1"/>
   </p:sldMasterIdLst>
   <p:notesMasterIdLst>
-    <p:notesMasterId r:id="rId10"/>
+    <p:notesMasterId r:id="rId7"/>
   </p:notesMasterIdLst>
   <p:sldIdLst>
     <p:sldId id="256" r:id="rId2"/>
     <p:sldId id="258" r:id="rId3"/>
     <p:sldId id="290" r:id="rId4"/>
-    <p:sldId id="268" r:id="rId5"/>
-    <p:sldId id="288" r:id="rId6"/>
-    <p:sldId id="267" r:id="rId7"/>
-    <p:sldId id="260" r:id="rId8"/>
-    <p:sldId id="291" r:id="rId9"/>
+    <p:sldId id="291" r:id="rId5"/>
+    <p:sldId id="292" r:id="rId6"/>
   </p:sldIdLst>
   <p:sldSz cx="12192000" cy="6858000"/>
   <p:notesSz cx="6858000" cy="9144000"/>
@@ -208,7 +205,7 @@
           <a:p>
             <a:fld id="{184BBF33-DD10-46B2-A0A7-44165F3356F0}" type="datetimeFigureOut">
               <a:rPr lang="pt-BR" smtClean="0"/>
-              <a:t>02/05/2017</a:t>
+              <a:t>14/10/2017</a:t>
             </a:fld>
             <a:endParaRPr lang="pt-BR"/>
           </a:p>
@@ -654,7 +651,7 @@
           <a:p>
             <a:fld id="{11612DAF-FD73-4975-A585-30AE5A550125}" type="datetimeFigureOut">
               <a:rPr lang="pt-BR" smtClean="0"/>
-              <a:t>02/05/2017</a:t>
+              <a:t>14/10/2017</a:t>
             </a:fld>
             <a:endParaRPr lang="pt-BR"/>
           </a:p>
@@ -834,7 +831,7 @@
           <a:p>
             <a:fld id="{11612DAF-FD73-4975-A585-30AE5A550125}" type="datetimeFigureOut">
               <a:rPr lang="pt-BR" smtClean="0"/>
-              <a:t>02/05/2017</a:t>
+              <a:t>14/10/2017</a:t>
             </a:fld>
             <a:endParaRPr lang="pt-BR"/>
           </a:p>
@@ -1024,7 +1021,7 @@
           <a:p>
             <a:fld id="{11612DAF-FD73-4975-A585-30AE5A550125}" type="datetimeFigureOut">
               <a:rPr lang="pt-BR" smtClean="0"/>
-              <a:t>02/05/2017</a:t>
+              <a:t>14/10/2017</a:t>
             </a:fld>
             <a:endParaRPr lang="pt-BR"/>
           </a:p>
@@ -1204,7 +1201,7 @@
           <a:p>
             <a:fld id="{11612DAF-FD73-4975-A585-30AE5A550125}" type="datetimeFigureOut">
               <a:rPr lang="pt-BR" smtClean="0"/>
-              <a:t>02/05/2017</a:t>
+              <a:t>14/10/2017</a:t>
             </a:fld>
             <a:endParaRPr lang="pt-BR"/>
           </a:p>
@@ -1461,7 +1458,7 @@
           <a:p>
             <a:fld id="{11612DAF-FD73-4975-A585-30AE5A550125}" type="datetimeFigureOut">
               <a:rPr lang="pt-BR" smtClean="0"/>
-              <a:t>02/05/2017</a:t>
+              <a:t>14/10/2017</a:t>
             </a:fld>
             <a:endParaRPr lang="pt-BR"/>
           </a:p>
@@ -1758,7 +1755,7 @@
           <a:p>
             <a:fld id="{11612DAF-FD73-4975-A585-30AE5A550125}" type="datetimeFigureOut">
               <a:rPr lang="pt-BR" smtClean="0"/>
-              <a:t>02/05/2017</a:t>
+              <a:t>14/10/2017</a:t>
             </a:fld>
             <a:endParaRPr lang="pt-BR"/>
           </a:p>
@@ -2194,7 +2191,7 @@
           <a:p>
             <a:fld id="{11612DAF-FD73-4975-A585-30AE5A550125}" type="datetimeFigureOut">
               <a:rPr lang="pt-BR" smtClean="0"/>
-              <a:t>02/05/2017</a:t>
+              <a:t>14/10/2017</a:t>
             </a:fld>
             <a:endParaRPr lang="pt-BR"/>
           </a:p>
@@ -2323,7 +2320,7 @@
           <a:p>
             <a:fld id="{11612DAF-FD73-4975-A585-30AE5A550125}" type="datetimeFigureOut">
               <a:rPr lang="pt-BR" smtClean="0"/>
-              <a:t>02/05/2017</a:t>
+              <a:t>14/10/2017</a:t>
             </a:fld>
             <a:endParaRPr lang="pt-BR"/>
           </a:p>
@@ -2430,7 +2427,7 @@
           <a:p>
             <a:fld id="{11612DAF-FD73-4975-A585-30AE5A550125}" type="datetimeFigureOut">
               <a:rPr lang="pt-BR" smtClean="0"/>
-              <a:t>02/05/2017</a:t>
+              <a:t>14/10/2017</a:t>
             </a:fld>
             <a:endParaRPr lang="pt-BR"/>
           </a:p>
@@ -2717,7 +2714,7 @@
           <a:p>
             <a:fld id="{11612DAF-FD73-4975-A585-30AE5A550125}" type="datetimeFigureOut">
               <a:rPr lang="pt-BR" smtClean="0"/>
-              <a:t>02/05/2017</a:t>
+              <a:t>14/10/2017</a:t>
             </a:fld>
             <a:endParaRPr lang="pt-BR"/>
           </a:p>
@@ -2984,7 +2981,7 @@
           <a:p>
             <a:fld id="{11612DAF-FD73-4975-A585-30AE5A550125}" type="datetimeFigureOut">
               <a:rPr lang="pt-BR" smtClean="0"/>
-              <a:t>02/05/2017</a:t>
+              <a:t>14/10/2017</a:t>
             </a:fld>
             <a:endParaRPr lang="pt-BR"/>
           </a:p>
@@ -3207,7 +3204,7 @@
           <a:p>
             <a:fld id="{11612DAF-FD73-4975-A585-30AE5A550125}" type="datetimeFigureOut">
               <a:rPr lang="pt-BR" smtClean="0"/>
-              <a:t>02/05/2017</a:t>
+              <a:t>14/10/2017</a:t>
             </a:fld>
             <a:endParaRPr lang="pt-BR"/>
           </a:p>
@@ -4100,7 +4097,7 @@
                 <a:latin typeface="Arial" panose="020B0604020202020204" pitchFamily="34" charset="0"/>
                 <a:cs typeface="Arial" panose="020B0604020202020204" pitchFamily="34" charset="0"/>
               </a:rPr>
-              <a:t>Lógica</a:t>
+              <a:t>SE</a:t>
             </a:r>
           </a:p>
           <a:p>
@@ -4116,23 +4113,7 @@
                 <a:latin typeface="Arial" panose="020B0604020202020204" pitchFamily="34" charset="0"/>
                 <a:cs typeface="Arial" panose="020B0604020202020204" pitchFamily="34" charset="0"/>
               </a:rPr>
-              <a:t>SE</a:t>
-            </a:r>
-          </a:p>
-          <a:p>
-            <a:pPr marL="1143000" indent="-1143000" algn="l">
-              <a:buFont typeface="Arial" panose="020B0604020202020204" pitchFamily="34" charset="0"/>
-              <a:buChar char="•"/>
-            </a:pPr>
-            <a:r>
-              <a:rPr lang="pt-BR" sz="4800" dirty="0">
-                <a:solidFill>
-                  <a:srgbClr val="255EA9"/>
-                </a:solidFill>
-                <a:latin typeface="Arial" panose="020B0604020202020204" pitchFamily="34" charset="0"/>
-                <a:cs typeface="Arial" panose="020B0604020202020204" pitchFamily="34" charset="0"/>
-              </a:rPr>
-              <a:t>Fórmulas X Funções</a:t>
+              <a:t>Concatenar</a:t>
             </a:r>
           </a:p>
           <a:p>
@@ -4521,47 +4502,6 @@
       </p:grpSp>
       <p:pic>
         <p:nvPicPr>
-          <p:cNvPr id="2050" name="Picture 2" descr="Imagem relacionada"/>
-          <p:cNvPicPr>
-            <a:picLocks noChangeAspect="1" noChangeArrowheads="1"/>
-          </p:cNvPicPr>
-          <p:nvPr/>
-        </p:nvPicPr>
-        <p:blipFill>
-          <a:blip r:embed="rId5">
-            <a:extLst>
-              <a:ext uri="{28A0092B-C50C-407E-A947-70E740481C1C}">
-                <a14:useLocalDpi xmlns:a14="http://schemas.microsoft.com/office/drawing/2010/main" val="0"/>
-              </a:ext>
-            </a:extLst>
-          </a:blip>
-          <a:srcRect/>
-          <a:stretch>
-            <a:fillRect/>
-          </a:stretch>
-        </p:blipFill>
-        <p:spPr bwMode="auto">
-          <a:xfrm>
-            <a:off x="-93198" y="1723611"/>
-            <a:ext cx="6019800" cy="4886325"/>
-          </a:xfrm>
-          <a:prstGeom prst="rect">
-            <a:avLst/>
-          </a:prstGeom>
-          <a:noFill/>
-          <a:extLst>
-            <a:ext uri="{909E8E84-426E-40DD-AFC4-6F175D3DCCD1}">
-              <a14:hiddenFill xmlns:a14="http://schemas.microsoft.com/office/drawing/2010/main">
-                <a:solidFill>
-                  <a:srgbClr val="FFFFFF"/>
-                </a:solidFill>
-              </a14:hiddenFill>
-            </a:ext>
-          </a:extLst>
-        </p:spPr>
-      </p:pic>
-      <p:pic>
-        <p:nvPicPr>
           <p:cNvPr id="12" name="Imagem 11" descr="Recorte de Tela"/>
           <p:cNvPicPr>
             <a:picLocks noChangeAspect="1"/>
@@ -4569,7 +4509,7 @@
           <p:nvPr/>
         </p:nvPicPr>
         <p:blipFill>
-          <a:blip r:embed="rId6">
+          <a:blip r:embed="rId5">
             <a:extLst>
               <a:ext uri="{28A0092B-C50C-407E-A947-70E740481C1C}">
                 <a14:useLocalDpi xmlns:a14="http://schemas.microsoft.com/office/drawing/2010/main" val="0"/>
@@ -4582,7 +4522,7 @@
         </p:blipFill>
         <p:spPr>
           <a:xfrm>
-            <a:off x="5837836" y="332447"/>
+            <a:off x="3179042" y="172470"/>
             <a:ext cx="6333970" cy="6685530"/>
           </a:xfrm>
           <a:prstGeom prst="rect">
@@ -4646,7 +4586,7 @@
                                           </p:stCondLst>
                                         </p:cTn>
                                         <p:tgtEl>
-                                          <p:spTgt spid="2050"/>
+                                          <p:spTgt spid="12"/>
                                         </p:tgtEl>
                                         <p:attrNameLst>
                                           <p:attrName>style.visibility</p:attrName>
@@ -4660,7 +4600,7 @@
                                       <p:cBhvr>
                                         <p:cTn id="7" dur="500"/>
                                         <p:tgtEl>
-                                          <p:spTgt spid="2050"/>
+                                          <p:spTgt spid="12"/>
                                         </p:tgtEl>
                                       </p:cBhvr>
                                     </p:animEffect>
@@ -4695,119 +4635,13 @@
                                       <p:cBhvr>
                                         <p:cTn id="11" dur="500"/>
                                         <p:tgtEl>
-                                          <p:spTgt spid="2050"/>
+                                          <p:spTgt spid="12"/>
                                         </p:tgtEl>
                                       </p:cBhvr>
                                     </p:animEffect>
                                     <p:set>
                                       <p:cBhvr>
                                         <p:cTn id="12" dur="1" fill="hold">
-                                          <p:stCondLst>
-                                            <p:cond delay="499"/>
-                                          </p:stCondLst>
-                                        </p:cTn>
-                                        <p:tgtEl>
-                                          <p:spTgt spid="2050"/>
-                                        </p:tgtEl>
-                                        <p:attrNameLst>
-                                          <p:attrName>style.visibility</p:attrName>
-                                        </p:attrNameLst>
-                                      </p:cBhvr>
-                                      <p:to>
-                                        <p:strVal val="hidden"/>
-                                      </p:to>
-                                    </p:set>
-                                  </p:childTnLst>
-                                </p:cTn>
-                              </p:par>
-                            </p:childTnLst>
-                          </p:cTn>
-                        </p:par>
-                      </p:childTnLst>
-                    </p:cTn>
-                  </p:par>
-                  <p:par>
-                    <p:cTn id="13" fill="hold">
-                      <p:stCondLst>
-                        <p:cond delay="indefinite"/>
-                      </p:stCondLst>
-                      <p:childTnLst>
-                        <p:par>
-                          <p:cTn id="14" fill="hold">
-                            <p:stCondLst>
-                              <p:cond delay="0"/>
-                            </p:stCondLst>
-                            <p:childTnLst>
-                              <p:par>
-                                <p:cTn id="15" presetID="10" presetClass="entr" presetSubtype="0" fill="hold" nodeType="clickEffect">
-                                  <p:stCondLst>
-                                    <p:cond delay="0"/>
-                                  </p:stCondLst>
-                                  <p:childTnLst>
-                                    <p:set>
-                                      <p:cBhvr>
-                                        <p:cTn id="16" dur="1" fill="hold">
-                                          <p:stCondLst>
-                                            <p:cond delay="0"/>
-                                          </p:stCondLst>
-                                        </p:cTn>
-                                        <p:tgtEl>
-                                          <p:spTgt spid="12"/>
-                                        </p:tgtEl>
-                                        <p:attrNameLst>
-                                          <p:attrName>style.visibility</p:attrName>
-                                        </p:attrNameLst>
-                                      </p:cBhvr>
-                                      <p:to>
-                                        <p:strVal val="visible"/>
-                                      </p:to>
-                                    </p:set>
-                                    <p:animEffect transition="in" filter="fade">
-                                      <p:cBhvr>
-                                        <p:cTn id="17" dur="500"/>
-                                        <p:tgtEl>
-                                          <p:spTgt spid="12"/>
-                                        </p:tgtEl>
-                                      </p:cBhvr>
-                                    </p:animEffect>
-                                  </p:childTnLst>
-                                </p:cTn>
-                              </p:par>
-                            </p:childTnLst>
-                          </p:cTn>
-                        </p:par>
-                      </p:childTnLst>
-                    </p:cTn>
-                  </p:par>
-                  <p:par>
-                    <p:cTn id="18" fill="hold">
-                      <p:stCondLst>
-                        <p:cond delay="indefinite"/>
-                      </p:stCondLst>
-                      <p:childTnLst>
-                        <p:par>
-                          <p:cTn id="19" fill="hold">
-                            <p:stCondLst>
-                              <p:cond delay="0"/>
-                            </p:stCondLst>
-                            <p:childTnLst>
-                              <p:par>
-                                <p:cTn id="20" presetID="10" presetClass="exit" presetSubtype="0" fill="hold" nodeType="clickEffect">
-                                  <p:stCondLst>
-                                    <p:cond delay="0"/>
-                                  </p:stCondLst>
-                                  <p:childTnLst>
-                                    <p:animEffect transition="out" filter="fade">
-                                      <p:cBhvr>
-                                        <p:cTn id="21" dur="500"/>
-                                        <p:tgtEl>
-                                          <p:spTgt spid="12"/>
-                                        </p:tgtEl>
-                                      </p:cBhvr>
-                                    </p:animEffect>
-                                    <p:set>
-                                      <p:cBhvr>
-                                        <p:cTn id="22" dur="1" fill="hold">
                                           <p:stCondLst>
                                             <p:cond delay="499"/>
                                           </p:stCondLst>
@@ -4858,4282 +4692,6 @@
 </file>
 
 <file path=ppt/slides/slide4.xml><?xml version="1.0" encoding="utf-8"?>
-<p:sld xmlns:a="http://schemas.openxmlformats.org/drawingml/2006/main" xmlns:r="http://schemas.openxmlformats.org/officeDocument/2006/relationships" xmlns:p="http://schemas.openxmlformats.org/presentationml/2006/main">
-  <p:cSld>
-    <p:spTree>
-      <p:nvGrpSpPr>
-        <p:cNvPr id="1" name=""/>
-        <p:cNvGrpSpPr/>
-        <p:nvPr/>
-      </p:nvGrpSpPr>
-      <p:grpSpPr>
-        <a:xfrm>
-          <a:off x="0" y="0"/>
-          <a:ext cx="0" cy="0"/>
-          <a:chOff x="0" y="0"/>
-          <a:chExt cx="0" cy="0"/>
-        </a:xfrm>
-      </p:grpSpPr>
-      <p:sp>
-        <p:nvSpPr>
-          <p:cNvPr id="6" name="Retângulo 5"/>
-          <p:cNvSpPr/>
-          <p:nvPr/>
-        </p:nvSpPr>
-        <p:spPr>
-          <a:xfrm flipH="1">
-            <a:off x="-4763" y="165794"/>
-            <a:ext cx="12192000" cy="1309753"/>
-          </a:xfrm>
-          <a:prstGeom prst="rect">
-            <a:avLst/>
-          </a:prstGeom>
-          <a:solidFill>
-            <a:srgbClr val="DC474B"/>
-          </a:solidFill>
-          <a:ln>
-            <a:noFill/>
-          </a:ln>
-          <a:effectLst>
-            <a:glow>
-              <a:schemeClr val="accent1"/>
-            </a:glow>
-          </a:effectLst>
-        </p:spPr>
-        <p:style>
-          <a:lnRef idx="2">
-            <a:schemeClr val="accent1">
-              <a:shade val="50000"/>
-            </a:schemeClr>
-          </a:lnRef>
-          <a:fillRef idx="1">
-            <a:schemeClr val="accent1"/>
-          </a:fillRef>
-          <a:effectRef idx="0">
-            <a:schemeClr val="accent1"/>
-          </a:effectRef>
-          <a:fontRef idx="minor">
-            <a:schemeClr val="lt1"/>
-          </a:fontRef>
-        </p:style>
-        <p:txBody>
-          <a:bodyPr rtlCol="0" anchor="ctr"/>
-          <a:lstStyle/>
-          <a:p>
-            <a:pPr algn="ctr"/>
-            <a:endParaRPr lang="pt-BR"/>
-          </a:p>
-        </p:txBody>
-      </p:sp>
-      <p:sp>
-        <p:nvSpPr>
-          <p:cNvPr id="2" name="Título 1"/>
-          <p:cNvSpPr>
-            <a:spLocks noGrp="1"/>
-          </p:cNvSpPr>
-          <p:nvPr>
-            <p:ph type="ctrTitle"/>
-          </p:nvPr>
-        </p:nvSpPr>
-        <p:spPr>
-          <a:xfrm>
-            <a:off x="-9526" y="165794"/>
-            <a:ext cx="8867409" cy="1223237"/>
-          </a:xfrm>
-          <a:ln>
-            <a:noFill/>
-          </a:ln>
-          <a:effectLst>
-            <a:outerShdw blurRad="44450" dist="27940" dir="5400000" algn="ctr">
-              <a:schemeClr val="tx1">
-                <a:alpha val="32000"/>
-              </a:schemeClr>
-            </a:outerShdw>
-          </a:effectLst>
-          <a:scene3d>
-            <a:camera prst="orthographicFront">
-              <a:rot lat="0" lon="0" rev="0"/>
-            </a:camera>
-            <a:lightRig rig="balanced" dir="t">
-              <a:rot lat="0" lon="0" rev="8700000"/>
-            </a:lightRig>
-          </a:scene3d>
-          <a:sp3d>
-            <a:bevelT w="190500" h="38100"/>
-          </a:sp3d>
-        </p:spPr>
-        <p:txBody>
-          <a:bodyPr>
-            <a:noAutofit/>
-          </a:bodyPr>
-          <a:lstStyle/>
-          <a:p>
-            <a:pPr algn="l"/>
-            <a:r>
-              <a:rPr lang="pt-BR" sz="6000" dirty="0">
-                <a:solidFill>
-                  <a:schemeClr val="bg1"/>
-                </a:solidFill>
-                <a:latin typeface="Arial" panose="020B0604020202020204" pitchFamily="34" charset="0"/>
-                <a:cs typeface="Arial" panose="020B0604020202020204" pitchFamily="34" charset="0"/>
-              </a:rPr>
-              <a:t>Fórmula x Função</a:t>
-            </a:r>
-            <a:r>
-              <a:rPr lang="pt-BR" sz="7200" dirty="0">
-                <a:solidFill>
-                  <a:schemeClr val="bg1"/>
-                </a:solidFill>
-                <a:latin typeface="Arial" panose="020B0604020202020204" pitchFamily="34" charset="0"/>
-                <a:cs typeface="Arial" panose="020B0604020202020204" pitchFamily="34" charset="0"/>
-              </a:rPr>
-              <a:t>:</a:t>
-            </a:r>
-          </a:p>
-        </p:txBody>
-      </p:sp>
-      <p:grpSp>
-        <p:nvGrpSpPr>
-          <p:cNvPr id="3" name="Grupo 2"/>
-          <p:cNvGrpSpPr/>
-          <p:nvPr/>
-        </p:nvGrpSpPr>
-        <p:grpSpPr>
-          <a:xfrm>
-            <a:off x="9009915" y="332447"/>
-            <a:ext cx="3182085" cy="978406"/>
-            <a:chOff x="9009915" y="332447"/>
-            <a:chExt cx="3182085" cy="978406"/>
-          </a:xfrm>
-        </p:grpSpPr>
-        <p:pic>
-          <p:nvPicPr>
-            <p:cNvPr id="1026" name="Picture 2" descr="http://www.ccbeusorocaba.com.br/wp-content/uploads/2014/10/logo-site.png"/>
-            <p:cNvPicPr>
-              <a:picLocks noChangeAspect="1" noChangeArrowheads="1"/>
-            </p:cNvPicPr>
-            <p:nvPr/>
-          </p:nvPicPr>
-          <p:blipFill rotWithShape="1">
-            <a:blip r:embed="rId2">
-              <a:biLevel thresh="25000"/>
-              <a:extLst>
-                <a:ext uri="{28A0092B-C50C-407E-A947-70E740481C1C}">
-                  <a14:useLocalDpi xmlns:a14="http://schemas.microsoft.com/office/drawing/2010/main" val="0"/>
-                </a:ext>
-              </a:extLst>
-            </a:blip>
-            <a:srcRect b="22842"/>
-            <a:stretch/>
-          </p:blipFill>
-          <p:spPr bwMode="auto">
-            <a:xfrm>
-              <a:off x="9009915" y="332447"/>
-              <a:ext cx="3177322" cy="753404"/>
-            </a:xfrm>
-            <a:prstGeom prst="rect">
-              <a:avLst/>
-            </a:prstGeom>
-            <a:noFill/>
-            <a:effectLst/>
-            <a:extLst>
-              <a:ext uri="{909E8E84-426E-40DD-AFC4-6F175D3DCCD1}">
-                <a14:hiddenFill xmlns:a14="http://schemas.microsoft.com/office/drawing/2010/main">
-                  <a:solidFill>
-                    <a:srgbClr val="FFFFFF"/>
-                  </a:solidFill>
-                </a14:hiddenFill>
-              </a:ext>
-            </a:extLst>
-          </p:spPr>
-        </p:pic>
-        <p:pic>
-          <p:nvPicPr>
-            <p:cNvPr id="8" name="Picture 2" descr="http://www.ccbeusorocaba.com.br/wp-content/uploads/2014/10/logo-site.png"/>
-            <p:cNvPicPr>
-              <a:picLocks noChangeAspect="1" noChangeArrowheads="1"/>
-            </p:cNvPicPr>
-            <p:nvPr/>
-          </p:nvPicPr>
-          <p:blipFill rotWithShape="1">
-            <a:blip r:embed="rId3">
-              <a:biLevel thresh="25000"/>
-              <a:extLst>
-                <a:ext uri="{BEBA8EAE-BF5A-486C-A8C5-ECC9F3942E4B}">
-                  <a14:imgProps xmlns:a14="http://schemas.microsoft.com/office/drawing/2010/main">
-                    <a14:imgLayer r:embed="rId4">
-                      <a14:imgEffect>
-                        <a14:brightnessContrast bright="20000" contrast="-40000"/>
-                      </a14:imgEffect>
-                    </a14:imgLayer>
-                  </a14:imgProps>
-                </a:ext>
-                <a:ext uri="{28A0092B-C50C-407E-A947-70E740481C1C}">
-                  <a14:useLocalDpi xmlns:a14="http://schemas.microsoft.com/office/drawing/2010/main" val="0"/>
-                </a:ext>
-              </a:extLst>
-            </a:blip>
-            <a:srcRect t="76760"/>
-            <a:stretch/>
-          </p:blipFill>
-          <p:spPr bwMode="auto">
-            <a:xfrm>
-              <a:off x="9014678" y="1083922"/>
-              <a:ext cx="3177322" cy="226931"/>
-            </a:xfrm>
-            <a:prstGeom prst="rect">
-              <a:avLst/>
-            </a:prstGeom>
-            <a:noFill/>
-            <a:effectLst/>
-            <a:extLst>
-              <a:ext uri="{909E8E84-426E-40DD-AFC4-6F175D3DCCD1}">
-                <a14:hiddenFill xmlns:a14="http://schemas.microsoft.com/office/drawing/2010/main">
-                  <a:solidFill>
-                    <a:srgbClr val="FFFFFF"/>
-                  </a:solidFill>
-                </a14:hiddenFill>
-              </a:ext>
-            </a:extLst>
-          </p:spPr>
-        </p:pic>
-      </p:grpSp>
-      <p:pic>
-        <p:nvPicPr>
-          <p:cNvPr id="16" name="Imagem 15"/>
-          <p:cNvPicPr>
-            <a:picLocks noChangeAspect="1"/>
-          </p:cNvPicPr>
-          <p:nvPr/>
-        </p:nvPicPr>
-        <p:blipFill rotWithShape="1">
-          <a:blip r:embed="rId5"/>
-          <a:srcRect t="24592" r="64735" b="29990"/>
-          <a:stretch/>
-        </p:blipFill>
-        <p:spPr>
-          <a:xfrm>
-            <a:off x="404189" y="2421706"/>
-            <a:ext cx="4913399" cy="4028647"/>
-          </a:xfrm>
-          <a:prstGeom prst="rect">
-            <a:avLst/>
-          </a:prstGeom>
-        </p:spPr>
-      </p:pic>
-      <p:pic>
-        <p:nvPicPr>
-          <p:cNvPr id="15" name="Imagem 14"/>
-          <p:cNvPicPr>
-            <a:picLocks noChangeAspect="1"/>
-          </p:cNvPicPr>
-          <p:nvPr/>
-        </p:nvPicPr>
-        <p:blipFill rotWithShape="1">
-          <a:blip r:embed="rId6"/>
-          <a:srcRect l="40918" t="31169" r="11902" b="22828"/>
-          <a:stretch/>
-        </p:blipFill>
-        <p:spPr>
-          <a:xfrm>
-            <a:off x="4881415" y="2463911"/>
-            <a:ext cx="5176912" cy="3154892"/>
-          </a:xfrm>
-          <a:prstGeom prst="rect">
-            <a:avLst/>
-          </a:prstGeom>
-        </p:spPr>
-      </p:pic>
-      <p:pic>
-        <p:nvPicPr>
-          <p:cNvPr id="4" name="Imagem 3"/>
-          <p:cNvPicPr>
-            <a:picLocks noChangeAspect="1"/>
-          </p:cNvPicPr>
-          <p:nvPr/>
-        </p:nvPicPr>
-        <p:blipFill rotWithShape="1">
-          <a:blip r:embed="rId6"/>
-          <a:srcRect t="19098" r="6966" b="67371"/>
-          <a:stretch/>
-        </p:blipFill>
-        <p:spPr>
-          <a:xfrm>
-            <a:off x="390121" y="1576088"/>
-            <a:ext cx="10208455" cy="927962"/>
-          </a:xfrm>
-          <a:prstGeom prst="rect">
-            <a:avLst/>
-          </a:prstGeom>
-        </p:spPr>
-      </p:pic>
-    </p:spTree>
-    <p:extLst>
-      <p:ext uri="{BB962C8B-B14F-4D97-AF65-F5344CB8AC3E}">
-        <p14:creationId xmlns:p14="http://schemas.microsoft.com/office/powerpoint/2010/main" val="16607037"/>
-      </p:ext>
-    </p:extLst>
-  </p:cSld>
-  <p:clrMapOvr>
-    <a:masterClrMapping/>
-  </p:clrMapOvr>
-  <mc:AlternateContent xmlns:mc="http://schemas.openxmlformats.org/markup-compatibility/2006" xmlns:p159="http://schemas.microsoft.com/office/powerpoint/2015/09/main">
-    <mc:Choice Requires="p159">
-      <p:transition xmlns:p14="http://schemas.microsoft.com/office/powerpoint/2010/main" spd="slow" p14:dur="2000">
-        <p159:morph option="byObject"/>
-      </p:transition>
-    </mc:Choice>
-    <mc:Fallback xmlns="">
-      <p:transition spd="slow">
-        <p:fade/>
-      </p:transition>
-    </mc:Fallback>
-  </mc:AlternateContent>
-  <p:timing>
-    <p:tnLst>
-      <p:par>
-        <p:cTn id="1" dur="indefinite" restart="never" nodeType="tmRoot">
-          <p:childTnLst>
-            <p:seq concurrent="1" nextAc="seek">
-              <p:cTn id="2" dur="indefinite" nodeType="mainSeq">
-                <p:childTnLst>
-                  <p:par>
-                    <p:cTn id="3" fill="hold">
-                      <p:stCondLst>
-                        <p:cond delay="indefinite"/>
-                      </p:stCondLst>
-                      <p:childTnLst>
-                        <p:par>
-                          <p:cTn id="4" fill="hold">
-                            <p:stCondLst>
-                              <p:cond delay="0"/>
-                            </p:stCondLst>
-                            <p:childTnLst>
-                              <p:par>
-                                <p:cTn id="5" presetID="10" presetClass="entr" presetSubtype="0" fill="hold" nodeType="clickEffect">
-                                  <p:stCondLst>
-                                    <p:cond delay="0"/>
-                                  </p:stCondLst>
-                                  <p:childTnLst>
-                                    <p:set>
-                                      <p:cBhvr>
-                                        <p:cTn id="6" dur="1" fill="hold">
-                                          <p:stCondLst>
-                                            <p:cond delay="0"/>
-                                          </p:stCondLst>
-                                        </p:cTn>
-                                        <p:tgtEl>
-                                          <p:spTgt spid="4"/>
-                                        </p:tgtEl>
-                                        <p:attrNameLst>
-                                          <p:attrName>style.visibility</p:attrName>
-                                        </p:attrNameLst>
-                                      </p:cBhvr>
-                                      <p:to>
-                                        <p:strVal val="visible"/>
-                                      </p:to>
-                                    </p:set>
-                                    <p:animEffect transition="in" filter="fade">
-                                      <p:cBhvr>
-                                        <p:cTn id="7" dur="500"/>
-                                        <p:tgtEl>
-                                          <p:spTgt spid="4"/>
-                                        </p:tgtEl>
-                                      </p:cBhvr>
-                                    </p:animEffect>
-                                  </p:childTnLst>
-                                </p:cTn>
-                              </p:par>
-                            </p:childTnLst>
-                          </p:cTn>
-                        </p:par>
-                      </p:childTnLst>
-                    </p:cTn>
-                  </p:par>
-                  <p:par>
-                    <p:cTn id="8" fill="hold">
-                      <p:stCondLst>
-                        <p:cond delay="indefinite"/>
-                      </p:stCondLst>
-                      <p:childTnLst>
-                        <p:par>
-                          <p:cTn id="9" fill="hold">
-                            <p:stCondLst>
-                              <p:cond delay="0"/>
-                            </p:stCondLst>
-                            <p:childTnLst>
-                              <p:par>
-                                <p:cTn id="10" presetID="10" presetClass="entr" presetSubtype="0" fill="hold" nodeType="clickEffect">
-                                  <p:stCondLst>
-                                    <p:cond delay="0"/>
-                                  </p:stCondLst>
-                                  <p:childTnLst>
-                                    <p:set>
-                                      <p:cBhvr>
-                                        <p:cTn id="11" dur="1" fill="hold">
-                                          <p:stCondLst>
-                                            <p:cond delay="0"/>
-                                          </p:stCondLst>
-                                        </p:cTn>
-                                        <p:tgtEl>
-                                          <p:spTgt spid="15"/>
-                                        </p:tgtEl>
-                                        <p:attrNameLst>
-                                          <p:attrName>style.visibility</p:attrName>
-                                        </p:attrNameLst>
-                                      </p:cBhvr>
-                                      <p:to>
-                                        <p:strVal val="visible"/>
-                                      </p:to>
-                                    </p:set>
-                                    <p:animEffect transition="in" filter="fade">
-                                      <p:cBhvr>
-                                        <p:cTn id="12" dur="500"/>
-                                        <p:tgtEl>
-                                          <p:spTgt spid="15"/>
-                                        </p:tgtEl>
-                                      </p:cBhvr>
-                                    </p:animEffect>
-                                  </p:childTnLst>
-                                </p:cTn>
-                              </p:par>
-                            </p:childTnLst>
-                          </p:cTn>
-                        </p:par>
-                      </p:childTnLst>
-                    </p:cTn>
-                  </p:par>
-                  <p:par>
-                    <p:cTn id="13" fill="hold">
-                      <p:stCondLst>
-                        <p:cond delay="indefinite"/>
-                      </p:stCondLst>
-                      <p:childTnLst>
-                        <p:par>
-                          <p:cTn id="14" fill="hold">
-                            <p:stCondLst>
-                              <p:cond delay="0"/>
-                            </p:stCondLst>
-                            <p:childTnLst>
-                              <p:par>
-                                <p:cTn id="15" presetID="10" presetClass="entr" presetSubtype="0" fill="hold" nodeType="clickEffect">
-                                  <p:stCondLst>
-                                    <p:cond delay="0"/>
-                                  </p:stCondLst>
-                                  <p:childTnLst>
-                                    <p:set>
-                                      <p:cBhvr>
-                                        <p:cTn id="16" dur="1" fill="hold">
-                                          <p:stCondLst>
-                                            <p:cond delay="0"/>
-                                          </p:stCondLst>
-                                        </p:cTn>
-                                        <p:tgtEl>
-                                          <p:spTgt spid="16"/>
-                                        </p:tgtEl>
-                                        <p:attrNameLst>
-                                          <p:attrName>style.visibility</p:attrName>
-                                        </p:attrNameLst>
-                                      </p:cBhvr>
-                                      <p:to>
-                                        <p:strVal val="visible"/>
-                                      </p:to>
-                                    </p:set>
-                                    <p:animEffect transition="in" filter="fade">
-                                      <p:cBhvr>
-                                        <p:cTn id="17" dur="500"/>
-                                        <p:tgtEl>
-                                          <p:spTgt spid="16"/>
-                                        </p:tgtEl>
-                                      </p:cBhvr>
-                                    </p:animEffect>
-                                  </p:childTnLst>
-                                </p:cTn>
-                              </p:par>
-                            </p:childTnLst>
-                          </p:cTn>
-                        </p:par>
-                      </p:childTnLst>
-                    </p:cTn>
-                  </p:par>
-                </p:childTnLst>
-              </p:cTn>
-              <p:prevCondLst>
-                <p:cond evt="onPrev" delay="0">
-                  <p:tgtEl>
-                    <p:sldTgt/>
-                  </p:tgtEl>
-                </p:cond>
-              </p:prevCondLst>
-              <p:nextCondLst>
-                <p:cond evt="onNext" delay="0">
-                  <p:tgtEl>
-                    <p:sldTgt/>
-                  </p:tgtEl>
-                </p:cond>
-              </p:nextCondLst>
-            </p:seq>
-          </p:childTnLst>
-        </p:cTn>
-      </p:par>
-    </p:tnLst>
-  </p:timing>
-</p:sld>
-</file>
-
-<file path=ppt/slides/slide5.xml><?xml version="1.0" encoding="utf-8"?>
-<p:sld xmlns:a="http://schemas.openxmlformats.org/drawingml/2006/main" xmlns:r="http://schemas.openxmlformats.org/officeDocument/2006/relationships" xmlns:p="http://schemas.openxmlformats.org/presentationml/2006/main">
-  <p:cSld>
-    <p:spTree>
-      <p:nvGrpSpPr>
-        <p:cNvPr id="1" name=""/>
-        <p:cNvGrpSpPr/>
-        <p:nvPr/>
-      </p:nvGrpSpPr>
-      <p:grpSpPr>
-        <a:xfrm>
-          <a:off x="0" y="0"/>
-          <a:ext cx="0" cy="0"/>
-          <a:chOff x="0" y="0"/>
-          <a:chExt cx="0" cy="0"/>
-        </a:xfrm>
-      </p:grpSpPr>
-      <p:sp>
-        <p:nvSpPr>
-          <p:cNvPr id="6" name="Retângulo 5"/>
-          <p:cNvSpPr/>
-          <p:nvPr/>
-        </p:nvSpPr>
-        <p:spPr>
-          <a:xfrm flipH="1">
-            <a:off x="-9527" y="1910188"/>
-            <a:ext cx="7465403" cy="1309753"/>
-          </a:xfrm>
-          <a:prstGeom prst="rect">
-            <a:avLst/>
-          </a:prstGeom>
-          <a:solidFill>
-            <a:srgbClr val="DC474B"/>
-          </a:solidFill>
-          <a:ln>
-            <a:noFill/>
-          </a:ln>
-          <a:effectLst>
-            <a:glow>
-              <a:schemeClr val="accent1"/>
-            </a:glow>
-          </a:effectLst>
-        </p:spPr>
-        <p:style>
-          <a:lnRef idx="2">
-            <a:schemeClr val="accent1">
-              <a:shade val="50000"/>
-            </a:schemeClr>
-          </a:lnRef>
-          <a:fillRef idx="1">
-            <a:schemeClr val="accent1"/>
-          </a:fillRef>
-          <a:effectRef idx="0">
-            <a:schemeClr val="accent1"/>
-          </a:effectRef>
-          <a:fontRef idx="minor">
-            <a:schemeClr val="lt1"/>
-          </a:fontRef>
-        </p:style>
-        <p:txBody>
-          <a:bodyPr rtlCol="0" anchor="ctr"/>
-          <a:lstStyle/>
-          <a:p>
-            <a:pPr algn="ctr"/>
-            <a:endParaRPr lang="pt-BR"/>
-          </a:p>
-        </p:txBody>
-      </p:sp>
-      <p:sp>
-        <p:nvSpPr>
-          <p:cNvPr id="2" name="Título 1"/>
-          <p:cNvSpPr>
-            <a:spLocks noGrp="1"/>
-          </p:cNvSpPr>
-          <p:nvPr>
-            <p:ph type="ctrTitle"/>
-          </p:nvPr>
-        </p:nvSpPr>
-        <p:spPr>
-          <a:xfrm>
-            <a:off x="-9527" y="1910188"/>
-            <a:ext cx="7465403" cy="1223237"/>
-          </a:xfrm>
-          <a:ln>
-            <a:noFill/>
-          </a:ln>
-          <a:effectLst>
-            <a:outerShdw blurRad="44450" dist="27940" dir="5400000" algn="ctr">
-              <a:schemeClr val="tx1">
-                <a:alpha val="32000"/>
-              </a:schemeClr>
-            </a:outerShdw>
-          </a:effectLst>
-          <a:scene3d>
-            <a:camera prst="orthographicFront">
-              <a:rot lat="0" lon="0" rev="0"/>
-            </a:camera>
-            <a:lightRig rig="balanced" dir="t">
-              <a:rot lat="0" lon="0" rev="8700000"/>
-            </a:lightRig>
-          </a:scene3d>
-          <a:sp3d>
-            <a:bevelT w="190500" h="38100"/>
-          </a:sp3d>
-        </p:spPr>
-        <p:txBody>
-          <a:bodyPr>
-            <a:noAutofit/>
-          </a:bodyPr>
-          <a:lstStyle/>
-          <a:p>
-            <a:pPr algn="l"/>
-            <a:r>
-              <a:rPr lang="pt-BR" sz="6000" dirty="0">
-                <a:solidFill>
-                  <a:schemeClr val="bg1"/>
-                </a:solidFill>
-                <a:latin typeface="Arial" panose="020B0604020202020204" pitchFamily="34" charset="0"/>
-                <a:cs typeface="Arial" panose="020B0604020202020204" pitchFamily="34" charset="0"/>
-              </a:rPr>
-              <a:t>Fórmula ou Função</a:t>
-            </a:r>
-            <a:r>
-              <a:rPr lang="pt-BR" sz="7200" dirty="0">
-                <a:solidFill>
-                  <a:schemeClr val="bg1"/>
-                </a:solidFill>
-                <a:latin typeface="Arial" panose="020B0604020202020204" pitchFamily="34" charset="0"/>
-                <a:cs typeface="Arial" panose="020B0604020202020204" pitchFamily="34" charset="0"/>
-              </a:rPr>
-              <a:t>?</a:t>
-            </a:r>
-          </a:p>
-        </p:txBody>
-      </p:sp>
-      <p:sp>
-        <p:nvSpPr>
-          <p:cNvPr id="10" name="Título 1"/>
-          <p:cNvSpPr txBox="1">
-            <a:spLocks/>
-          </p:cNvSpPr>
-          <p:nvPr/>
-        </p:nvSpPr>
-        <p:spPr>
-          <a:xfrm>
-            <a:off x="323558" y="3416888"/>
-            <a:ext cx="1941342" cy="1223237"/>
-          </a:xfrm>
-          <a:prstGeom prst="rect">
-            <a:avLst/>
-          </a:prstGeom>
-          <a:ln>
-            <a:noFill/>
-          </a:ln>
-          <a:effectLst>
-            <a:outerShdw blurRad="44450" dist="27940" dir="5400000" algn="ctr">
-              <a:schemeClr val="tx1">
-                <a:alpha val="32000"/>
-              </a:schemeClr>
-            </a:outerShdw>
-          </a:effectLst>
-          <a:scene3d>
-            <a:camera prst="orthographicFront">
-              <a:rot lat="0" lon="0" rev="0"/>
-            </a:camera>
-            <a:lightRig rig="balanced" dir="t">
-              <a:rot lat="0" lon="0" rev="8700000"/>
-            </a:lightRig>
-          </a:scene3d>
-          <a:sp3d>
-            <a:bevelT w="190500" h="38100"/>
-          </a:sp3d>
-        </p:spPr>
-        <p:txBody>
-          <a:bodyPr vert="horz" lIns="91440" tIns="45720" rIns="91440" bIns="45720" rtlCol="0" anchor="ctr">
-            <a:noAutofit/>
-          </a:bodyPr>
-          <a:lstStyle>
-            <a:lvl1pPr algn="ctr" defTabSz="1218804" rtl="0" eaLnBrk="1" latinLnBrk="0" hangingPunct="1">
-              <a:spcBef>
-                <a:spcPct val="0"/>
-              </a:spcBef>
-              <a:buNone/>
-              <a:defRPr sz="5865" kern="1200">
-                <a:solidFill>
-                  <a:schemeClr val="tx1"/>
-                </a:solidFill>
-                <a:latin typeface="+mj-lt"/>
-                <a:ea typeface="+mj-ea"/>
-                <a:cs typeface="+mj-cs"/>
-              </a:defRPr>
-            </a:lvl1pPr>
-          </a:lstStyle>
-          <a:p>
-            <a:pPr algn="l"/>
-            <a:r>
-              <a:rPr lang="pt-BR" sz="6000" dirty="0">
-                <a:ln w="0"/>
-                <a:solidFill>
-                  <a:schemeClr val="accent1"/>
-                </a:solidFill>
-                <a:effectLst>
-                  <a:outerShdw blurRad="38100" dist="25400" dir="5400000" algn="ctr" rotWithShape="0">
-                    <a:srgbClr val="6E747A">
-                      <a:alpha val="43000"/>
-                    </a:srgbClr>
-                  </a:outerShdw>
-                </a:effectLst>
-                <a:latin typeface="Arial" panose="020B0604020202020204" pitchFamily="34" charset="0"/>
-                <a:cs typeface="Arial" panose="020B0604020202020204" pitchFamily="34" charset="0"/>
-              </a:rPr>
-              <a:t>SE</a:t>
-            </a:r>
-            <a:endParaRPr lang="pt-BR" sz="7200" dirty="0">
-              <a:ln w="0"/>
-              <a:solidFill>
-                <a:schemeClr val="accent1"/>
-              </a:solidFill>
-              <a:effectLst>
-                <a:outerShdw blurRad="38100" dist="25400" dir="5400000" algn="ctr" rotWithShape="0">
-                  <a:srgbClr val="6E747A">
-                    <a:alpha val="43000"/>
-                  </a:srgbClr>
-                </a:outerShdw>
-              </a:effectLst>
-              <a:latin typeface="Arial" panose="020B0604020202020204" pitchFamily="34" charset="0"/>
-              <a:cs typeface="Arial" panose="020B0604020202020204" pitchFamily="34" charset="0"/>
-            </a:endParaRPr>
-          </a:p>
-        </p:txBody>
-      </p:sp>
-      <p:sp>
-        <p:nvSpPr>
-          <p:cNvPr id="11" name="Título 1"/>
-          <p:cNvSpPr txBox="1">
-            <a:spLocks/>
-          </p:cNvSpPr>
-          <p:nvPr/>
-        </p:nvSpPr>
-        <p:spPr>
-          <a:xfrm>
-            <a:off x="7357402" y="4931662"/>
-            <a:ext cx="3181642" cy="1223237"/>
-          </a:xfrm>
-          <a:prstGeom prst="rect">
-            <a:avLst/>
-          </a:prstGeom>
-          <a:ln>
-            <a:noFill/>
-          </a:ln>
-          <a:effectLst>
-            <a:outerShdw blurRad="44450" dist="27940" dir="5400000" algn="ctr">
-              <a:schemeClr val="tx1">
-                <a:alpha val="32000"/>
-              </a:schemeClr>
-            </a:outerShdw>
-          </a:effectLst>
-          <a:scene3d>
-            <a:camera prst="orthographicFront">
-              <a:rot lat="0" lon="0" rev="0"/>
-            </a:camera>
-            <a:lightRig rig="balanced" dir="t">
-              <a:rot lat="0" lon="0" rev="8700000"/>
-            </a:lightRig>
-          </a:scene3d>
-          <a:sp3d>
-            <a:bevelT w="190500" h="38100"/>
-          </a:sp3d>
-        </p:spPr>
-        <p:txBody>
-          <a:bodyPr vert="horz" lIns="91440" tIns="45720" rIns="91440" bIns="45720" rtlCol="0" anchor="ctr">
-            <a:noAutofit/>
-          </a:bodyPr>
-          <a:lstStyle>
-            <a:lvl1pPr algn="ctr" defTabSz="1218804" rtl="0" eaLnBrk="1" latinLnBrk="0" hangingPunct="1">
-              <a:spcBef>
-                <a:spcPct val="0"/>
-              </a:spcBef>
-              <a:buNone/>
-              <a:defRPr sz="5865" kern="1200">
-                <a:solidFill>
-                  <a:schemeClr val="tx1"/>
-                </a:solidFill>
-                <a:latin typeface="+mj-lt"/>
-                <a:ea typeface="+mj-ea"/>
-                <a:cs typeface="+mj-cs"/>
-              </a:defRPr>
-            </a:lvl1pPr>
-          </a:lstStyle>
-          <a:p>
-            <a:pPr algn="l"/>
-            <a:r>
-              <a:rPr lang="pt-BR" sz="6000" dirty="0" err="1">
-                <a:ln w="0"/>
-                <a:solidFill>
-                  <a:schemeClr val="accent1"/>
-                </a:solidFill>
-                <a:effectLst>
-                  <a:outerShdw blurRad="38100" dist="25400" dir="5400000" algn="ctr" rotWithShape="0">
-                    <a:srgbClr val="6E747A">
-                      <a:alpha val="43000"/>
-                    </a:srgbClr>
-                  </a:outerShdw>
-                </a:effectLst>
-                <a:latin typeface="Arial" panose="020B0604020202020204" pitchFamily="34" charset="0"/>
-                <a:cs typeface="Arial" panose="020B0604020202020204" pitchFamily="34" charset="0"/>
-              </a:rPr>
-              <a:t>PROCV</a:t>
-            </a:r>
-            <a:endParaRPr lang="pt-BR" sz="7200" dirty="0">
-              <a:ln w="0"/>
-              <a:solidFill>
-                <a:schemeClr val="accent1"/>
-              </a:solidFill>
-              <a:effectLst>
-                <a:outerShdw blurRad="38100" dist="25400" dir="5400000" algn="ctr" rotWithShape="0">
-                  <a:srgbClr val="6E747A">
-                    <a:alpha val="43000"/>
-                  </a:srgbClr>
-                </a:outerShdw>
-              </a:effectLst>
-              <a:latin typeface="Arial" panose="020B0604020202020204" pitchFamily="34" charset="0"/>
-              <a:cs typeface="Arial" panose="020B0604020202020204" pitchFamily="34" charset="0"/>
-            </a:endParaRPr>
-          </a:p>
-        </p:txBody>
-      </p:sp>
-      <p:sp>
-        <p:nvSpPr>
-          <p:cNvPr id="12" name="Título 1"/>
-          <p:cNvSpPr txBox="1">
-            <a:spLocks/>
-          </p:cNvSpPr>
-          <p:nvPr/>
-        </p:nvSpPr>
-        <p:spPr>
-          <a:xfrm>
-            <a:off x="3723174" y="4931663"/>
-            <a:ext cx="3181642" cy="1223237"/>
-          </a:xfrm>
-          <a:prstGeom prst="rect">
-            <a:avLst/>
-          </a:prstGeom>
-          <a:ln>
-            <a:noFill/>
-          </a:ln>
-          <a:effectLst>
-            <a:outerShdw blurRad="44450" dist="27940" dir="5400000" algn="ctr">
-              <a:schemeClr val="tx1">
-                <a:alpha val="32000"/>
-              </a:schemeClr>
-            </a:outerShdw>
-          </a:effectLst>
-          <a:scene3d>
-            <a:camera prst="orthographicFront">
-              <a:rot lat="0" lon="0" rev="0"/>
-            </a:camera>
-            <a:lightRig rig="balanced" dir="t">
-              <a:rot lat="0" lon="0" rev="8700000"/>
-            </a:lightRig>
-          </a:scene3d>
-          <a:sp3d>
-            <a:bevelT w="190500" h="38100"/>
-          </a:sp3d>
-        </p:spPr>
-        <p:txBody>
-          <a:bodyPr vert="horz" lIns="91440" tIns="45720" rIns="91440" bIns="45720" rtlCol="0" anchor="ctr">
-            <a:noAutofit/>
-          </a:bodyPr>
-          <a:lstStyle>
-            <a:lvl1pPr algn="ctr" defTabSz="1218804" rtl="0" eaLnBrk="1" latinLnBrk="0" hangingPunct="1">
-              <a:spcBef>
-                <a:spcPct val="0"/>
-              </a:spcBef>
-              <a:buNone/>
-              <a:defRPr sz="5865" kern="1200">
-                <a:solidFill>
-                  <a:schemeClr val="tx1"/>
-                </a:solidFill>
-                <a:latin typeface="+mj-lt"/>
-                <a:ea typeface="+mj-ea"/>
-                <a:cs typeface="+mj-cs"/>
-              </a:defRPr>
-            </a:lvl1pPr>
-          </a:lstStyle>
-          <a:p>
-            <a:pPr algn="l"/>
-            <a:r>
-              <a:rPr lang="pt-BR" sz="6000" dirty="0">
-                <a:ln w="0"/>
-                <a:solidFill>
-                  <a:schemeClr val="accent1"/>
-                </a:solidFill>
-                <a:effectLst>
-                  <a:outerShdw blurRad="38100" dist="25400" dir="5400000" algn="ctr" rotWithShape="0">
-                    <a:srgbClr val="6E747A">
-                      <a:alpha val="43000"/>
-                    </a:srgbClr>
-                  </a:outerShdw>
-                </a:effectLst>
-                <a:latin typeface="Arial" panose="020B0604020202020204" pitchFamily="34" charset="0"/>
-                <a:cs typeface="Arial" panose="020B0604020202020204" pitchFamily="34" charset="0"/>
-              </a:rPr>
-              <a:t>SOMA</a:t>
-            </a:r>
-            <a:endParaRPr lang="pt-BR" sz="7200" dirty="0">
-              <a:ln w="0"/>
-              <a:solidFill>
-                <a:schemeClr val="accent1"/>
-              </a:solidFill>
-              <a:effectLst>
-                <a:outerShdw blurRad="38100" dist="25400" dir="5400000" algn="ctr" rotWithShape="0">
-                  <a:srgbClr val="6E747A">
-                    <a:alpha val="43000"/>
-                  </a:srgbClr>
-                </a:outerShdw>
-              </a:effectLst>
-              <a:latin typeface="Arial" panose="020B0604020202020204" pitchFamily="34" charset="0"/>
-              <a:cs typeface="Arial" panose="020B0604020202020204" pitchFamily="34" charset="0"/>
-            </a:endParaRPr>
-          </a:p>
-        </p:txBody>
-      </p:sp>
-      <p:sp>
-        <p:nvSpPr>
-          <p:cNvPr id="13" name="Título 1"/>
-          <p:cNvSpPr txBox="1">
-            <a:spLocks/>
-          </p:cNvSpPr>
-          <p:nvPr/>
-        </p:nvSpPr>
-        <p:spPr>
-          <a:xfrm>
-            <a:off x="323558" y="4957584"/>
-            <a:ext cx="3078480" cy="1223237"/>
-          </a:xfrm>
-          <a:prstGeom prst="rect">
-            <a:avLst/>
-          </a:prstGeom>
-          <a:ln>
-            <a:noFill/>
-          </a:ln>
-          <a:effectLst>
-            <a:outerShdw blurRad="44450" dist="27940" dir="5400000" algn="ctr">
-              <a:schemeClr val="tx1">
-                <a:alpha val="32000"/>
-              </a:schemeClr>
-            </a:outerShdw>
-          </a:effectLst>
-          <a:scene3d>
-            <a:camera prst="orthographicFront">
-              <a:rot lat="0" lon="0" rev="0"/>
-            </a:camera>
-            <a:lightRig rig="balanced" dir="t">
-              <a:rot lat="0" lon="0" rev="8700000"/>
-            </a:lightRig>
-          </a:scene3d>
-          <a:sp3d>
-            <a:bevelT w="190500" h="38100"/>
-          </a:sp3d>
-        </p:spPr>
-        <p:txBody>
-          <a:bodyPr vert="horz" lIns="91440" tIns="45720" rIns="91440" bIns="45720" rtlCol="0" anchor="ctr">
-            <a:noAutofit/>
-          </a:bodyPr>
-          <a:lstStyle>
-            <a:lvl1pPr algn="ctr" defTabSz="1218804" rtl="0" eaLnBrk="1" latinLnBrk="0" hangingPunct="1">
-              <a:spcBef>
-                <a:spcPct val="0"/>
-              </a:spcBef>
-              <a:buNone/>
-              <a:defRPr sz="5865" kern="1200">
-                <a:solidFill>
-                  <a:schemeClr val="tx1"/>
-                </a:solidFill>
-                <a:latin typeface="+mj-lt"/>
-                <a:ea typeface="+mj-ea"/>
-                <a:cs typeface="+mj-cs"/>
-              </a:defRPr>
-            </a:lvl1pPr>
-          </a:lstStyle>
-          <a:p>
-            <a:pPr algn="l"/>
-            <a:r>
-              <a:rPr lang="pt-BR" sz="6000" dirty="0">
-                <a:ln w="0"/>
-                <a:solidFill>
-                  <a:schemeClr val="accent1"/>
-                </a:solidFill>
-                <a:effectLst>
-                  <a:outerShdw blurRad="38100" dist="25400" dir="5400000" algn="ctr" rotWithShape="0">
-                    <a:srgbClr val="6E747A">
-                      <a:alpha val="43000"/>
-                    </a:srgbClr>
-                  </a:outerShdw>
-                </a:effectLst>
-                <a:latin typeface="Arial" panose="020B0604020202020204" pitchFamily="34" charset="0"/>
-                <a:cs typeface="Arial" panose="020B0604020202020204" pitchFamily="34" charset="0"/>
-              </a:rPr>
-              <a:t>=A1+B1</a:t>
-            </a:r>
-            <a:endParaRPr lang="pt-BR" sz="7200" dirty="0">
-              <a:ln w="0"/>
-              <a:solidFill>
-                <a:schemeClr val="accent1"/>
-              </a:solidFill>
-              <a:effectLst>
-                <a:outerShdw blurRad="38100" dist="25400" dir="5400000" algn="ctr" rotWithShape="0">
-                  <a:srgbClr val="6E747A">
-                    <a:alpha val="43000"/>
-                  </a:srgbClr>
-                </a:outerShdw>
-              </a:effectLst>
-              <a:latin typeface="Arial" panose="020B0604020202020204" pitchFamily="34" charset="0"/>
-              <a:cs typeface="Arial" panose="020B0604020202020204" pitchFamily="34" charset="0"/>
-            </a:endParaRPr>
-          </a:p>
-        </p:txBody>
-      </p:sp>
-      <p:sp>
-        <p:nvSpPr>
-          <p:cNvPr id="14" name="Título 1"/>
-          <p:cNvSpPr txBox="1">
-            <a:spLocks/>
-          </p:cNvSpPr>
-          <p:nvPr/>
-        </p:nvSpPr>
-        <p:spPr>
-          <a:xfrm>
-            <a:off x="1965885" y="3464183"/>
-            <a:ext cx="6926069" cy="1223237"/>
-          </a:xfrm>
-          <a:prstGeom prst="rect">
-            <a:avLst/>
-          </a:prstGeom>
-          <a:ln>
-            <a:noFill/>
-          </a:ln>
-          <a:effectLst>
-            <a:outerShdw blurRad="44450" dist="27940" dir="5400000" algn="ctr">
-              <a:schemeClr val="tx1">
-                <a:alpha val="32000"/>
-              </a:schemeClr>
-            </a:outerShdw>
-          </a:effectLst>
-          <a:scene3d>
-            <a:camera prst="orthographicFront">
-              <a:rot lat="0" lon="0" rev="0"/>
-            </a:camera>
-            <a:lightRig rig="balanced" dir="t">
-              <a:rot lat="0" lon="0" rev="8700000"/>
-            </a:lightRig>
-          </a:scene3d>
-          <a:sp3d>
-            <a:bevelT w="190500" h="38100"/>
-          </a:sp3d>
-        </p:spPr>
-        <p:txBody>
-          <a:bodyPr vert="horz" lIns="91440" tIns="45720" rIns="91440" bIns="45720" rtlCol="0" anchor="ctr">
-            <a:noAutofit/>
-          </a:bodyPr>
-          <a:lstStyle>
-            <a:lvl1pPr algn="ctr" defTabSz="1218804" rtl="0" eaLnBrk="1" latinLnBrk="0" hangingPunct="1">
-              <a:spcBef>
-                <a:spcPct val="0"/>
-              </a:spcBef>
-              <a:buNone/>
-              <a:defRPr sz="5865" kern="1200">
-                <a:solidFill>
-                  <a:schemeClr val="tx1"/>
-                </a:solidFill>
-                <a:latin typeface="+mj-lt"/>
-                <a:ea typeface="+mj-ea"/>
-                <a:cs typeface="+mj-cs"/>
-              </a:defRPr>
-            </a:lvl1pPr>
-          </a:lstStyle>
-          <a:p>
-            <a:pPr algn="l"/>
-            <a:r>
-              <a:rPr lang="pt-BR" sz="6000" dirty="0">
-                <a:ln w="0"/>
-                <a:solidFill>
-                  <a:schemeClr val="accent1"/>
-                </a:solidFill>
-                <a:effectLst>
-                  <a:outerShdw blurRad="38100" dist="25400" dir="5400000" algn="ctr" rotWithShape="0">
-                    <a:srgbClr val="6E747A">
-                      <a:alpha val="43000"/>
-                    </a:srgbClr>
-                  </a:outerShdw>
-                </a:effectLst>
-                <a:latin typeface="Arial" panose="020B0604020202020204" pitchFamily="34" charset="0"/>
-                <a:cs typeface="Arial" panose="020B0604020202020204" pitchFamily="34" charset="0"/>
-              </a:rPr>
-              <a:t>=</a:t>
-            </a:r>
-            <a:r>
-              <a:rPr lang="pt-BR" sz="6000" dirty="0" err="1">
-                <a:ln w="0"/>
-                <a:solidFill>
-                  <a:schemeClr val="accent1"/>
-                </a:solidFill>
-                <a:effectLst>
-                  <a:outerShdw blurRad="38100" dist="25400" dir="5400000" algn="ctr" rotWithShape="0">
-                    <a:srgbClr val="6E747A">
-                      <a:alpha val="43000"/>
-                    </a:srgbClr>
-                  </a:outerShdw>
-                </a:effectLst>
-                <a:latin typeface="Arial" panose="020B0604020202020204" pitchFamily="34" charset="0"/>
-                <a:cs typeface="Arial" panose="020B0604020202020204" pitchFamily="34" charset="0"/>
-              </a:rPr>
-              <a:t>nome_numero</a:t>
-            </a:r>
-            <a:r>
-              <a:rPr lang="pt-BR" sz="6000" dirty="0">
-                <a:ln w="0"/>
-                <a:solidFill>
-                  <a:schemeClr val="accent1"/>
-                </a:solidFill>
-                <a:effectLst>
-                  <a:outerShdw blurRad="38100" dist="25400" dir="5400000" algn="ctr" rotWithShape="0">
-                    <a:srgbClr val="6E747A">
-                      <a:alpha val="43000"/>
-                    </a:srgbClr>
-                  </a:outerShdw>
-                </a:effectLst>
-                <a:latin typeface="Arial" panose="020B0604020202020204" pitchFamily="34" charset="0"/>
-                <a:cs typeface="Arial" panose="020B0604020202020204" pitchFamily="34" charset="0"/>
-              </a:rPr>
-              <a:t>*3</a:t>
-            </a:r>
-            <a:endParaRPr lang="pt-BR" sz="7200" dirty="0">
-              <a:ln w="0"/>
-              <a:solidFill>
-                <a:schemeClr val="accent1"/>
-              </a:solidFill>
-              <a:effectLst>
-                <a:outerShdw blurRad="38100" dist="25400" dir="5400000" algn="ctr" rotWithShape="0">
-                  <a:srgbClr val="6E747A">
-                    <a:alpha val="43000"/>
-                  </a:srgbClr>
-                </a:outerShdw>
-              </a:effectLst>
-              <a:latin typeface="Arial" panose="020B0604020202020204" pitchFamily="34" charset="0"/>
-              <a:cs typeface="Arial" panose="020B0604020202020204" pitchFamily="34" charset="0"/>
-            </a:endParaRPr>
-          </a:p>
-        </p:txBody>
-      </p:sp>
-      <p:sp>
-        <p:nvSpPr>
-          <p:cNvPr id="17" name="Título 1"/>
-          <p:cNvSpPr txBox="1">
-            <a:spLocks/>
-          </p:cNvSpPr>
-          <p:nvPr/>
-        </p:nvSpPr>
-        <p:spPr>
-          <a:xfrm>
-            <a:off x="9113520" y="3464182"/>
-            <a:ext cx="3078480" cy="1223237"/>
-          </a:xfrm>
-          <a:prstGeom prst="rect">
-            <a:avLst/>
-          </a:prstGeom>
-          <a:ln>
-            <a:noFill/>
-          </a:ln>
-          <a:effectLst>
-            <a:outerShdw blurRad="44450" dist="27940" dir="5400000" algn="ctr">
-              <a:schemeClr val="tx1">
-                <a:alpha val="32000"/>
-              </a:schemeClr>
-            </a:outerShdw>
-          </a:effectLst>
-          <a:scene3d>
-            <a:camera prst="orthographicFront">
-              <a:rot lat="0" lon="0" rev="0"/>
-            </a:camera>
-            <a:lightRig rig="balanced" dir="t">
-              <a:rot lat="0" lon="0" rev="8700000"/>
-            </a:lightRig>
-          </a:scene3d>
-          <a:sp3d>
-            <a:bevelT w="190500" h="38100"/>
-          </a:sp3d>
-        </p:spPr>
-        <p:txBody>
-          <a:bodyPr vert="horz" lIns="91440" tIns="45720" rIns="91440" bIns="45720" rtlCol="0" anchor="ctr">
-            <a:noAutofit/>
-          </a:bodyPr>
-          <a:lstStyle>
-            <a:lvl1pPr algn="ctr" defTabSz="1218804" rtl="0" eaLnBrk="1" latinLnBrk="0" hangingPunct="1">
-              <a:spcBef>
-                <a:spcPct val="0"/>
-              </a:spcBef>
-              <a:buNone/>
-              <a:defRPr sz="5865" kern="1200">
-                <a:solidFill>
-                  <a:schemeClr val="tx1"/>
-                </a:solidFill>
-                <a:latin typeface="+mj-lt"/>
-                <a:ea typeface="+mj-ea"/>
-                <a:cs typeface="+mj-cs"/>
-              </a:defRPr>
-            </a:lvl1pPr>
-          </a:lstStyle>
-          <a:p>
-            <a:pPr algn="l"/>
-            <a:r>
-              <a:rPr lang="pt-BR" sz="6000" dirty="0">
-                <a:ln w="0"/>
-                <a:solidFill>
-                  <a:schemeClr val="accent1"/>
-                </a:solidFill>
-                <a:effectLst>
-                  <a:outerShdw blurRad="38100" dist="25400" dir="5400000" algn="ctr" rotWithShape="0">
-                    <a:srgbClr val="6E747A">
-                      <a:alpha val="43000"/>
-                    </a:srgbClr>
-                  </a:outerShdw>
-                </a:effectLst>
-                <a:latin typeface="Arial" panose="020B0604020202020204" pitchFamily="34" charset="0"/>
-                <a:cs typeface="Arial" panose="020B0604020202020204" pitchFamily="34" charset="0"/>
-              </a:rPr>
-              <a:t>=C*D</a:t>
-            </a:r>
-            <a:endParaRPr lang="pt-BR" sz="7200" dirty="0">
-              <a:ln w="0"/>
-              <a:solidFill>
-                <a:schemeClr val="accent1"/>
-              </a:solidFill>
-              <a:effectLst>
-                <a:outerShdw blurRad="38100" dist="25400" dir="5400000" algn="ctr" rotWithShape="0">
-                  <a:srgbClr val="6E747A">
-                    <a:alpha val="43000"/>
-                  </a:srgbClr>
-                </a:outerShdw>
-              </a:effectLst>
-              <a:latin typeface="Arial" panose="020B0604020202020204" pitchFamily="34" charset="0"/>
-              <a:cs typeface="Arial" panose="020B0604020202020204" pitchFamily="34" charset="0"/>
-            </a:endParaRPr>
-          </a:p>
-        </p:txBody>
-      </p:sp>
-    </p:spTree>
-    <p:extLst>
-      <p:ext uri="{BB962C8B-B14F-4D97-AF65-F5344CB8AC3E}">
-        <p14:creationId xmlns:p14="http://schemas.microsoft.com/office/powerpoint/2010/main" val="2555427022"/>
-      </p:ext>
-    </p:extLst>
-  </p:cSld>
-  <p:clrMapOvr>
-    <a:masterClrMapping/>
-  </p:clrMapOvr>
-  <mc:AlternateContent xmlns:mc="http://schemas.openxmlformats.org/markup-compatibility/2006" xmlns:p159="http://schemas.microsoft.com/office/powerpoint/2015/09/main">
-    <mc:Choice Requires="p159">
-      <p:transition xmlns:p14="http://schemas.microsoft.com/office/powerpoint/2010/main" spd="slow" p14:dur="2000">
-        <p159:morph option="byObject"/>
-      </p:transition>
-    </mc:Choice>
-    <mc:Fallback xmlns="">
-      <p:transition spd="slow">
-        <p:fade/>
-      </p:transition>
-    </mc:Fallback>
-  </mc:AlternateContent>
-  <p:timing>
-    <p:tnLst>
-      <p:par>
-        <p:cTn id="1" dur="indefinite" restart="never" nodeType="tmRoot">
-          <p:childTnLst>
-            <p:seq concurrent="1" nextAc="seek">
-              <p:cTn id="2" dur="indefinite" nodeType="mainSeq">
-                <p:childTnLst>
-                  <p:par>
-                    <p:cTn id="3" fill="hold">
-                      <p:stCondLst>
-                        <p:cond delay="indefinite"/>
-                      </p:stCondLst>
-                      <p:childTnLst>
-                        <p:par>
-                          <p:cTn id="4" fill="hold">
-                            <p:stCondLst>
-                              <p:cond delay="0"/>
-                            </p:stCondLst>
-                            <p:childTnLst>
-                              <p:par>
-                                <p:cTn id="5" presetID="10" presetClass="entr" presetSubtype="0" fill="hold" grpId="0" nodeType="clickEffect">
-                                  <p:stCondLst>
-                                    <p:cond delay="0"/>
-                                  </p:stCondLst>
-                                  <p:childTnLst>
-                                    <p:set>
-                                      <p:cBhvr>
-                                        <p:cTn id="6" dur="1" fill="hold">
-                                          <p:stCondLst>
-                                            <p:cond delay="0"/>
-                                          </p:stCondLst>
-                                        </p:cTn>
-                                        <p:tgtEl>
-                                          <p:spTgt spid="10"/>
-                                        </p:tgtEl>
-                                        <p:attrNameLst>
-                                          <p:attrName>style.visibility</p:attrName>
-                                        </p:attrNameLst>
-                                      </p:cBhvr>
-                                      <p:to>
-                                        <p:strVal val="visible"/>
-                                      </p:to>
-                                    </p:set>
-                                    <p:animEffect transition="in" filter="fade">
-                                      <p:cBhvr>
-                                        <p:cTn id="7" dur="500"/>
-                                        <p:tgtEl>
-                                          <p:spTgt spid="10"/>
-                                        </p:tgtEl>
-                                      </p:cBhvr>
-                                    </p:animEffect>
-                                  </p:childTnLst>
-                                </p:cTn>
-                              </p:par>
-                            </p:childTnLst>
-                          </p:cTn>
-                        </p:par>
-                      </p:childTnLst>
-                    </p:cTn>
-                  </p:par>
-                  <p:par>
-                    <p:cTn id="8" fill="hold">
-                      <p:stCondLst>
-                        <p:cond delay="indefinite"/>
-                      </p:stCondLst>
-                      <p:childTnLst>
-                        <p:par>
-                          <p:cTn id="9" fill="hold">
-                            <p:stCondLst>
-                              <p:cond delay="0"/>
-                            </p:stCondLst>
-                            <p:childTnLst>
-                              <p:par>
-                                <p:cTn id="10" presetID="10" presetClass="entr" presetSubtype="0" fill="hold" grpId="0" nodeType="clickEffect">
-                                  <p:stCondLst>
-                                    <p:cond delay="0"/>
-                                  </p:stCondLst>
-                                  <p:childTnLst>
-                                    <p:set>
-                                      <p:cBhvr>
-                                        <p:cTn id="11" dur="1" fill="hold">
-                                          <p:stCondLst>
-                                            <p:cond delay="0"/>
-                                          </p:stCondLst>
-                                        </p:cTn>
-                                        <p:tgtEl>
-                                          <p:spTgt spid="13"/>
-                                        </p:tgtEl>
-                                        <p:attrNameLst>
-                                          <p:attrName>style.visibility</p:attrName>
-                                        </p:attrNameLst>
-                                      </p:cBhvr>
-                                      <p:to>
-                                        <p:strVal val="visible"/>
-                                      </p:to>
-                                    </p:set>
-                                    <p:animEffect transition="in" filter="fade">
-                                      <p:cBhvr>
-                                        <p:cTn id="12" dur="500"/>
-                                        <p:tgtEl>
-                                          <p:spTgt spid="13"/>
-                                        </p:tgtEl>
-                                      </p:cBhvr>
-                                    </p:animEffect>
-                                  </p:childTnLst>
-                                </p:cTn>
-                              </p:par>
-                            </p:childTnLst>
-                          </p:cTn>
-                        </p:par>
-                      </p:childTnLst>
-                    </p:cTn>
-                  </p:par>
-                  <p:par>
-                    <p:cTn id="13" fill="hold">
-                      <p:stCondLst>
-                        <p:cond delay="indefinite"/>
-                      </p:stCondLst>
-                      <p:childTnLst>
-                        <p:par>
-                          <p:cTn id="14" fill="hold">
-                            <p:stCondLst>
-                              <p:cond delay="0"/>
-                            </p:stCondLst>
-                            <p:childTnLst>
-                              <p:par>
-                                <p:cTn id="15" presetID="10" presetClass="entr" presetSubtype="0" fill="hold" grpId="0" nodeType="clickEffect">
-                                  <p:stCondLst>
-                                    <p:cond delay="0"/>
-                                  </p:stCondLst>
-                                  <p:childTnLst>
-                                    <p:set>
-                                      <p:cBhvr>
-                                        <p:cTn id="16" dur="1" fill="hold">
-                                          <p:stCondLst>
-                                            <p:cond delay="0"/>
-                                          </p:stCondLst>
-                                        </p:cTn>
-                                        <p:tgtEl>
-                                          <p:spTgt spid="12"/>
-                                        </p:tgtEl>
-                                        <p:attrNameLst>
-                                          <p:attrName>style.visibility</p:attrName>
-                                        </p:attrNameLst>
-                                      </p:cBhvr>
-                                      <p:to>
-                                        <p:strVal val="visible"/>
-                                      </p:to>
-                                    </p:set>
-                                    <p:animEffect transition="in" filter="fade">
-                                      <p:cBhvr>
-                                        <p:cTn id="17" dur="500"/>
-                                        <p:tgtEl>
-                                          <p:spTgt spid="12"/>
-                                        </p:tgtEl>
-                                      </p:cBhvr>
-                                    </p:animEffect>
-                                  </p:childTnLst>
-                                </p:cTn>
-                              </p:par>
-                            </p:childTnLst>
-                          </p:cTn>
-                        </p:par>
-                      </p:childTnLst>
-                    </p:cTn>
-                  </p:par>
-                  <p:par>
-                    <p:cTn id="18" fill="hold">
-                      <p:stCondLst>
-                        <p:cond delay="indefinite"/>
-                      </p:stCondLst>
-                      <p:childTnLst>
-                        <p:par>
-                          <p:cTn id="19" fill="hold">
-                            <p:stCondLst>
-                              <p:cond delay="0"/>
-                            </p:stCondLst>
-                            <p:childTnLst>
-                              <p:par>
-                                <p:cTn id="20" presetID="10" presetClass="entr" presetSubtype="0" fill="hold" grpId="0" nodeType="clickEffect">
-                                  <p:stCondLst>
-                                    <p:cond delay="0"/>
-                                  </p:stCondLst>
-                                  <p:childTnLst>
-                                    <p:set>
-                                      <p:cBhvr>
-                                        <p:cTn id="21" dur="1" fill="hold">
-                                          <p:stCondLst>
-                                            <p:cond delay="0"/>
-                                          </p:stCondLst>
-                                        </p:cTn>
-                                        <p:tgtEl>
-                                          <p:spTgt spid="14"/>
-                                        </p:tgtEl>
-                                        <p:attrNameLst>
-                                          <p:attrName>style.visibility</p:attrName>
-                                        </p:attrNameLst>
-                                      </p:cBhvr>
-                                      <p:to>
-                                        <p:strVal val="visible"/>
-                                      </p:to>
-                                    </p:set>
-                                    <p:animEffect transition="in" filter="fade">
-                                      <p:cBhvr>
-                                        <p:cTn id="22" dur="500"/>
-                                        <p:tgtEl>
-                                          <p:spTgt spid="14"/>
-                                        </p:tgtEl>
-                                      </p:cBhvr>
-                                    </p:animEffect>
-                                  </p:childTnLst>
-                                </p:cTn>
-                              </p:par>
-                            </p:childTnLst>
-                          </p:cTn>
-                        </p:par>
-                      </p:childTnLst>
-                    </p:cTn>
-                  </p:par>
-                  <p:par>
-                    <p:cTn id="23" fill="hold">
-                      <p:stCondLst>
-                        <p:cond delay="indefinite"/>
-                      </p:stCondLst>
-                      <p:childTnLst>
-                        <p:par>
-                          <p:cTn id="24" fill="hold">
-                            <p:stCondLst>
-                              <p:cond delay="0"/>
-                            </p:stCondLst>
-                            <p:childTnLst>
-                              <p:par>
-                                <p:cTn id="25" presetID="10" presetClass="entr" presetSubtype="0" fill="hold" grpId="0" nodeType="clickEffect">
-                                  <p:stCondLst>
-                                    <p:cond delay="0"/>
-                                  </p:stCondLst>
-                                  <p:childTnLst>
-                                    <p:set>
-                                      <p:cBhvr>
-                                        <p:cTn id="26" dur="1" fill="hold">
-                                          <p:stCondLst>
-                                            <p:cond delay="0"/>
-                                          </p:stCondLst>
-                                        </p:cTn>
-                                        <p:tgtEl>
-                                          <p:spTgt spid="11"/>
-                                        </p:tgtEl>
-                                        <p:attrNameLst>
-                                          <p:attrName>style.visibility</p:attrName>
-                                        </p:attrNameLst>
-                                      </p:cBhvr>
-                                      <p:to>
-                                        <p:strVal val="visible"/>
-                                      </p:to>
-                                    </p:set>
-                                    <p:animEffect transition="in" filter="fade">
-                                      <p:cBhvr>
-                                        <p:cTn id="27" dur="500"/>
-                                        <p:tgtEl>
-                                          <p:spTgt spid="11"/>
-                                        </p:tgtEl>
-                                      </p:cBhvr>
-                                    </p:animEffect>
-                                  </p:childTnLst>
-                                </p:cTn>
-                              </p:par>
-                            </p:childTnLst>
-                          </p:cTn>
-                        </p:par>
-                      </p:childTnLst>
-                    </p:cTn>
-                  </p:par>
-                  <p:par>
-                    <p:cTn id="28" fill="hold">
-                      <p:stCondLst>
-                        <p:cond delay="indefinite"/>
-                      </p:stCondLst>
-                      <p:childTnLst>
-                        <p:par>
-                          <p:cTn id="29" fill="hold">
-                            <p:stCondLst>
-                              <p:cond delay="0"/>
-                            </p:stCondLst>
-                            <p:childTnLst>
-                              <p:par>
-                                <p:cTn id="30" presetID="10" presetClass="entr" presetSubtype="0" fill="hold" grpId="0" nodeType="clickEffect">
-                                  <p:stCondLst>
-                                    <p:cond delay="0"/>
-                                  </p:stCondLst>
-                                  <p:childTnLst>
-                                    <p:set>
-                                      <p:cBhvr>
-                                        <p:cTn id="31" dur="1" fill="hold">
-                                          <p:stCondLst>
-                                            <p:cond delay="0"/>
-                                          </p:stCondLst>
-                                        </p:cTn>
-                                        <p:tgtEl>
-                                          <p:spTgt spid="17"/>
-                                        </p:tgtEl>
-                                        <p:attrNameLst>
-                                          <p:attrName>style.visibility</p:attrName>
-                                        </p:attrNameLst>
-                                      </p:cBhvr>
-                                      <p:to>
-                                        <p:strVal val="visible"/>
-                                      </p:to>
-                                    </p:set>
-                                    <p:animEffect transition="in" filter="fade">
-                                      <p:cBhvr>
-                                        <p:cTn id="32" dur="500"/>
-                                        <p:tgtEl>
-                                          <p:spTgt spid="17"/>
-                                        </p:tgtEl>
-                                      </p:cBhvr>
-                                    </p:animEffect>
-                                  </p:childTnLst>
-                                </p:cTn>
-                              </p:par>
-                            </p:childTnLst>
-                          </p:cTn>
-                        </p:par>
-                      </p:childTnLst>
-                    </p:cTn>
-                  </p:par>
-                </p:childTnLst>
-              </p:cTn>
-              <p:prevCondLst>
-                <p:cond evt="onPrev" delay="0">
-                  <p:tgtEl>
-                    <p:sldTgt/>
-                  </p:tgtEl>
-                </p:cond>
-              </p:prevCondLst>
-              <p:nextCondLst>
-                <p:cond evt="onNext" delay="0">
-                  <p:tgtEl>
-                    <p:sldTgt/>
-                  </p:tgtEl>
-                </p:cond>
-              </p:nextCondLst>
-            </p:seq>
-          </p:childTnLst>
-        </p:cTn>
-      </p:par>
-    </p:tnLst>
-    <p:bldLst>
-      <p:bldP spid="10" grpId="0"/>
-      <p:bldP spid="11" grpId="0"/>
-      <p:bldP spid="12" grpId="0"/>
-      <p:bldP spid="13" grpId="0"/>
-      <p:bldP spid="14" grpId="0"/>
-      <p:bldP spid="17" grpId="0"/>
-    </p:bldLst>
-  </p:timing>
-</p:sld>
-</file>
-
-<file path=ppt/slides/slide6.xml><?xml version="1.0" encoding="utf-8"?>
-<p:sld xmlns:a="http://schemas.openxmlformats.org/drawingml/2006/main" xmlns:r="http://schemas.openxmlformats.org/officeDocument/2006/relationships" xmlns:p="http://schemas.openxmlformats.org/presentationml/2006/main">
-  <p:cSld>
-    <p:spTree>
-      <p:nvGrpSpPr>
-        <p:cNvPr id="1" name=""/>
-        <p:cNvGrpSpPr/>
-        <p:nvPr/>
-      </p:nvGrpSpPr>
-      <p:grpSpPr>
-        <a:xfrm>
-          <a:off x="0" y="0"/>
-          <a:ext cx="0" cy="0"/>
-          <a:chOff x="0" y="0"/>
-          <a:chExt cx="0" cy="0"/>
-        </a:xfrm>
-      </p:grpSpPr>
-      <p:sp>
-        <p:nvSpPr>
-          <p:cNvPr id="6" name="Retângulo 5"/>
-          <p:cNvSpPr/>
-          <p:nvPr/>
-        </p:nvSpPr>
-        <p:spPr>
-          <a:xfrm flipH="1">
-            <a:off x="-4763" y="165794"/>
-            <a:ext cx="12192000" cy="1309753"/>
-          </a:xfrm>
-          <a:prstGeom prst="rect">
-            <a:avLst/>
-          </a:prstGeom>
-          <a:solidFill>
-            <a:srgbClr val="DC474B"/>
-          </a:solidFill>
-          <a:ln>
-            <a:noFill/>
-          </a:ln>
-          <a:effectLst>
-            <a:glow>
-              <a:schemeClr val="accent1"/>
-            </a:glow>
-          </a:effectLst>
-        </p:spPr>
-        <p:style>
-          <a:lnRef idx="2">
-            <a:schemeClr val="accent1">
-              <a:shade val="50000"/>
-            </a:schemeClr>
-          </a:lnRef>
-          <a:fillRef idx="1">
-            <a:schemeClr val="accent1"/>
-          </a:fillRef>
-          <a:effectRef idx="0">
-            <a:schemeClr val="accent1"/>
-          </a:effectRef>
-          <a:fontRef idx="minor">
-            <a:schemeClr val="lt1"/>
-          </a:fontRef>
-        </p:style>
-        <p:txBody>
-          <a:bodyPr rtlCol="0" anchor="ctr"/>
-          <a:lstStyle/>
-          <a:p>
-            <a:pPr algn="ctr"/>
-            <a:endParaRPr lang="pt-BR"/>
-          </a:p>
-        </p:txBody>
-      </p:sp>
-      <p:sp>
-        <p:nvSpPr>
-          <p:cNvPr id="2" name="Título 1"/>
-          <p:cNvSpPr>
-            <a:spLocks noGrp="1"/>
-          </p:cNvSpPr>
-          <p:nvPr>
-            <p:ph type="ctrTitle"/>
-          </p:nvPr>
-        </p:nvSpPr>
-        <p:spPr>
-          <a:xfrm>
-            <a:off x="-4763" y="80449"/>
-            <a:ext cx="5684346" cy="1223237"/>
-          </a:xfrm>
-          <a:ln>
-            <a:noFill/>
-          </a:ln>
-          <a:effectLst>
-            <a:outerShdw blurRad="44450" dist="27940" dir="5400000" algn="ctr">
-              <a:schemeClr val="tx1">
-                <a:alpha val="32000"/>
-              </a:schemeClr>
-            </a:outerShdw>
-          </a:effectLst>
-          <a:scene3d>
-            <a:camera prst="orthographicFront">
-              <a:rot lat="0" lon="0" rev="0"/>
-            </a:camera>
-            <a:lightRig rig="balanced" dir="t">
-              <a:rot lat="0" lon="0" rev="8700000"/>
-            </a:lightRig>
-          </a:scene3d>
-          <a:sp3d>
-            <a:bevelT w="190500" h="38100"/>
-          </a:sp3d>
-        </p:spPr>
-        <p:txBody>
-          <a:bodyPr>
-            <a:noAutofit/>
-          </a:bodyPr>
-          <a:lstStyle/>
-          <a:p>
-            <a:pPr algn="l"/>
-            <a:r>
-              <a:rPr lang="pt-BR" sz="8000" dirty="0">
-                <a:solidFill>
-                  <a:schemeClr val="bg1"/>
-                </a:solidFill>
-                <a:latin typeface="Arial" panose="020B0604020202020204" pitchFamily="34" charset="0"/>
-                <a:cs typeface="Arial" panose="020B0604020202020204" pitchFamily="34" charset="0"/>
-              </a:rPr>
-              <a:t>Função Se</a:t>
-            </a:r>
-            <a:r>
-              <a:rPr lang="pt-BR" sz="9600" dirty="0">
-                <a:solidFill>
-                  <a:schemeClr val="bg1"/>
-                </a:solidFill>
-                <a:latin typeface="Arial" panose="020B0604020202020204" pitchFamily="34" charset="0"/>
-                <a:cs typeface="Arial" panose="020B0604020202020204" pitchFamily="34" charset="0"/>
-              </a:rPr>
-              <a:t>:</a:t>
-            </a:r>
-          </a:p>
-        </p:txBody>
-      </p:sp>
-      <p:sp>
-        <p:nvSpPr>
-          <p:cNvPr id="7" name="Título 1"/>
-          <p:cNvSpPr txBox="1">
-            <a:spLocks/>
-          </p:cNvSpPr>
-          <p:nvPr/>
-        </p:nvSpPr>
-        <p:spPr>
-          <a:xfrm>
-            <a:off x="460384" y="3044875"/>
-            <a:ext cx="3461169" cy="808940"/>
-          </a:xfrm>
-          <a:prstGeom prst="rect">
-            <a:avLst/>
-          </a:prstGeom>
-          <a:ln>
-            <a:noFill/>
-          </a:ln>
-          <a:effectLst>
-            <a:outerShdw blurRad="44450" dist="27940" dir="5400000" algn="ctr">
-              <a:srgbClr val="000000">
-                <a:alpha val="32000"/>
-              </a:srgbClr>
-            </a:outerShdw>
-          </a:effectLst>
-          <a:scene3d>
-            <a:camera prst="orthographicFront">
-              <a:rot lat="0" lon="0" rev="0"/>
-            </a:camera>
-            <a:lightRig rig="balanced" dir="t">
-              <a:rot lat="0" lon="0" rev="8700000"/>
-            </a:lightRig>
-          </a:scene3d>
-          <a:sp3d>
-            <a:bevelT w="190500" h="38100"/>
-          </a:sp3d>
-        </p:spPr>
-        <p:txBody>
-          <a:bodyPr vert="horz" lIns="91440" tIns="45720" rIns="91440" bIns="45720" rtlCol="0" anchor="ctr">
-            <a:noAutofit/>
-          </a:bodyPr>
-          <a:lstStyle>
-            <a:lvl1pPr algn="ctr" defTabSz="1218804" rtl="0" eaLnBrk="1" latinLnBrk="0" hangingPunct="1">
-              <a:spcBef>
-                <a:spcPct val="0"/>
-              </a:spcBef>
-              <a:buNone/>
-              <a:defRPr sz="5865" kern="1200">
-                <a:solidFill>
-                  <a:schemeClr val="tx1"/>
-                </a:solidFill>
-                <a:latin typeface="+mj-lt"/>
-                <a:ea typeface="+mj-ea"/>
-                <a:cs typeface="+mj-cs"/>
-              </a:defRPr>
-            </a:lvl1pPr>
-          </a:lstStyle>
-          <a:p>
-            <a:pPr algn="l"/>
-            <a:r>
-              <a:rPr lang="pt-BR" sz="3200" dirty="0">
-                <a:solidFill>
-                  <a:srgbClr val="255EA9"/>
-                </a:solidFill>
-                <a:latin typeface="Arial" panose="020B0604020202020204" pitchFamily="34" charset="0"/>
-                <a:cs typeface="Arial" panose="020B0604020202020204" pitchFamily="34" charset="0"/>
-              </a:rPr>
-              <a:t>=SE(</a:t>
-            </a:r>
-            <a:r>
-              <a:rPr lang="pt-BR" sz="3200" dirty="0" err="1">
-                <a:solidFill>
-                  <a:srgbClr val="255EA9"/>
-                </a:solidFill>
-                <a:latin typeface="Arial" panose="020B0604020202020204" pitchFamily="34" charset="0"/>
-                <a:cs typeface="Arial" panose="020B0604020202020204" pitchFamily="34" charset="0"/>
-              </a:rPr>
-              <a:t>teste_lógico</a:t>
-            </a:r>
-            <a:r>
-              <a:rPr lang="pt-BR" sz="3200" dirty="0">
-                <a:solidFill>
-                  <a:srgbClr val="255EA9"/>
-                </a:solidFill>
-                <a:latin typeface="Arial" panose="020B0604020202020204" pitchFamily="34" charset="0"/>
-                <a:cs typeface="Arial" panose="020B0604020202020204" pitchFamily="34" charset="0"/>
-              </a:rPr>
-              <a:t>;</a:t>
-            </a:r>
-          </a:p>
-        </p:txBody>
-      </p:sp>
-      <p:grpSp>
-        <p:nvGrpSpPr>
-          <p:cNvPr id="3" name="Grupo 2"/>
-          <p:cNvGrpSpPr/>
-          <p:nvPr/>
-        </p:nvGrpSpPr>
-        <p:grpSpPr>
-          <a:xfrm>
-            <a:off x="9009915" y="332447"/>
-            <a:ext cx="3182085" cy="978406"/>
-            <a:chOff x="9009915" y="332447"/>
-            <a:chExt cx="3182085" cy="978406"/>
-          </a:xfrm>
-        </p:grpSpPr>
-        <p:pic>
-          <p:nvPicPr>
-            <p:cNvPr id="1026" name="Picture 2" descr="http://www.ccbeusorocaba.com.br/wp-content/uploads/2014/10/logo-site.png"/>
-            <p:cNvPicPr>
-              <a:picLocks noChangeAspect="1" noChangeArrowheads="1"/>
-            </p:cNvPicPr>
-            <p:nvPr/>
-          </p:nvPicPr>
-          <p:blipFill rotWithShape="1">
-            <a:blip r:embed="rId2">
-              <a:biLevel thresh="25000"/>
-              <a:extLst>
-                <a:ext uri="{28A0092B-C50C-407E-A947-70E740481C1C}">
-                  <a14:useLocalDpi xmlns:a14="http://schemas.microsoft.com/office/drawing/2010/main" val="0"/>
-                </a:ext>
-              </a:extLst>
-            </a:blip>
-            <a:srcRect b="22842"/>
-            <a:stretch/>
-          </p:blipFill>
-          <p:spPr bwMode="auto">
-            <a:xfrm>
-              <a:off x="9009915" y="332447"/>
-              <a:ext cx="3177322" cy="753404"/>
-            </a:xfrm>
-            <a:prstGeom prst="rect">
-              <a:avLst/>
-            </a:prstGeom>
-            <a:noFill/>
-            <a:effectLst/>
-            <a:extLst>
-              <a:ext uri="{909E8E84-426E-40DD-AFC4-6F175D3DCCD1}">
-                <a14:hiddenFill xmlns:a14="http://schemas.microsoft.com/office/drawing/2010/main">
-                  <a:solidFill>
-                    <a:srgbClr val="FFFFFF"/>
-                  </a:solidFill>
-                </a14:hiddenFill>
-              </a:ext>
-            </a:extLst>
-          </p:spPr>
-        </p:pic>
-        <p:pic>
-          <p:nvPicPr>
-            <p:cNvPr id="8" name="Picture 2" descr="http://www.ccbeusorocaba.com.br/wp-content/uploads/2014/10/logo-site.png"/>
-            <p:cNvPicPr>
-              <a:picLocks noChangeAspect="1" noChangeArrowheads="1"/>
-            </p:cNvPicPr>
-            <p:nvPr/>
-          </p:nvPicPr>
-          <p:blipFill rotWithShape="1">
-            <a:blip r:embed="rId3">
-              <a:biLevel thresh="25000"/>
-              <a:extLst>
-                <a:ext uri="{BEBA8EAE-BF5A-486C-A8C5-ECC9F3942E4B}">
-                  <a14:imgProps xmlns:a14="http://schemas.microsoft.com/office/drawing/2010/main">
-                    <a14:imgLayer r:embed="rId4">
-                      <a14:imgEffect>
-                        <a14:brightnessContrast bright="20000" contrast="-40000"/>
-                      </a14:imgEffect>
-                    </a14:imgLayer>
-                  </a14:imgProps>
-                </a:ext>
-                <a:ext uri="{28A0092B-C50C-407E-A947-70E740481C1C}">
-                  <a14:useLocalDpi xmlns:a14="http://schemas.microsoft.com/office/drawing/2010/main" val="0"/>
-                </a:ext>
-              </a:extLst>
-            </a:blip>
-            <a:srcRect t="76760"/>
-            <a:stretch/>
-          </p:blipFill>
-          <p:spPr bwMode="auto">
-            <a:xfrm>
-              <a:off x="9014678" y="1083922"/>
-              <a:ext cx="3177322" cy="226931"/>
-            </a:xfrm>
-            <a:prstGeom prst="rect">
-              <a:avLst/>
-            </a:prstGeom>
-            <a:noFill/>
-            <a:effectLst/>
-            <a:extLst>
-              <a:ext uri="{909E8E84-426E-40DD-AFC4-6F175D3DCCD1}">
-                <a14:hiddenFill xmlns:a14="http://schemas.microsoft.com/office/drawing/2010/main">
-                  <a:solidFill>
-                    <a:srgbClr val="FFFFFF"/>
-                  </a:solidFill>
-                </a14:hiddenFill>
-              </a:ext>
-            </a:extLst>
-          </p:spPr>
-        </p:pic>
-      </p:grpSp>
-      <p:pic>
-        <p:nvPicPr>
-          <p:cNvPr id="9" name="Picture 3"/>
-          <p:cNvPicPr>
-            <a:picLocks noGrp="1" noChangeAspect="1" noChangeArrowheads="1"/>
-          </p:cNvPicPr>
-          <p:nvPr/>
-        </p:nvPicPr>
-        <p:blipFill rotWithShape="1">
-          <a:blip r:embed="rId5">
-            <a:extLst>
-              <a:ext uri="{28A0092B-C50C-407E-A947-70E740481C1C}">
-                <a14:useLocalDpi xmlns:a14="http://schemas.microsoft.com/office/drawing/2010/main" val="0"/>
-              </a:ext>
-            </a:extLst>
-          </a:blip>
-          <a:srcRect l="49721"/>
-          <a:stretch/>
-        </p:blipFill>
-        <p:spPr bwMode="auto">
-          <a:xfrm>
-            <a:off x="791800" y="4293900"/>
-            <a:ext cx="4199319" cy="2120968"/>
-          </a:xfrm>
-          <a:prstGeom prst="rect">
-            <a:avLst/>
-          </a:prstGeom>
-          <a:noFill/>
-          <a:ln>
-            <a:noFill/>
-          </a:ln>
-          <a:extLst>
-            <a:ext uri="{909E8E84-426E-40DD-AFC4-6F175D3DCCD1}">
-              <a14:hiddenFill xmlns:a14="http://schemas.microsoft.com/office/drawing/2010/main">
-                <a:solidFill>
-                  <a:srgbClr val="FFFFFF"/>
-                </a:solidFill>
-              </a14:hiddenFill>
-            </a:ext>
-            <a:ext uri="{91240B29-F687-4F45-9708-019B960494DF}">
-              <a14:hiddenLine xmlns:a14="http://schemas.microsoft.com/office/drawing/2010/main" w="9525">
-                <a:solidFill>
-                  <a:srgbClr val="000000"/>
-                </a:solidFill>
-                <a:miter lim="800000"/>
-                <a:headEnd/>
-                <a:tailEnd/>
-              </a14:hiddenLine>
-            </a:ext>
-          </a:extLst>
-        </p:spPr>
-      </p:pic>
-      <p:sp>
-        <p:nvSpPr>
-          <p:cNvPr id="10" name="Título 1"/>
-          <p:cNvSpPr txBox="1">
-            <a:spLocks/>
-          </p:cNvSpPr>
-          <p:nvPr/>
-        </p:nvSpPr>
-        <p:spPr>
-          <a:xfrm>
-            <a:off x="905661" y="2259612"/>
-            <a:ext cx="2570614" cy="782997"/>
-          </a:xfrm>
-          <a:prstGeom prst="rect">
-            <a:avLst/>
-          </a:prstGeom>
-          <a:ln>
-            <a:noFill/>
-          </a:ln>
-          <a:effectLst>
-            <a:outerShdw blurRad="44450" dist="27940" dir="5400000" algn="ctr">
-              <a:srgbClr val="000000">
-                <a:alpha val="32000"/>
-              </a:srgbClr>
-            </a:outerShdw>
-          </a:effectLst>
-          <a:scene3d>
-            <a:camera prst="orthographicFront">
-              <a:rot lat="0" lon="0" rev="0"/>
-            </a:camera>
-            <a:lightRig rig="balanced" dir="t">
-              <a:rot lat="0" lon="0" rev="8700000"/>
-            </a:lightRig>
-          </a:scene3d>
-          <a:sp3d>
-            <a:bevelT w="190500" h="38100"/>
-          </a:sp3d>
-        </p:spPr>
-        <p:txBody>
-          <a:bodyPr vert="horz" lIns="91440" tIns="45720" rIns="91440" bIns="45720" rtlCol="0" anchor="ctr">
-            <a:noAutofit/>
-          </a:bodyPr>
-          <a:lstStyle>
-            <a:lvl1pPr algn="ctr" defTabSz="1218804" rtl="0" eaLnBrk="1" latinLnBrk="0" hangingPunct="1">
-              <a:spcBef>
-                <a:spcPct val="0"/>
-              </a:spcBef>
-              <a:buNone/>
-              <a:defRPr sz="5865" kern="1200">
-                <a:solidFill>
-                  <a:schemeClr val="tx1"/>
-                </a:solidFill>
-                <a:latin typeface="+mj-lt"/>
-                <a:ea typeface="+mj-ea"/>
-                <a:cs typeface="+mj-cs"/>
-              </a:defRPr>
-            </a:lvl1pPr>
-          </a:lstStyle>
-          <a:p>
-            <a:pPr algn="l"/>
-            <a:r>
-              <a:rPr lang="pt-BR" sz="3200" dirty="0">
-                <a:solidFill>
-                  <a:srgbClr val="DC474B"/>
-                </a:solidFill>
-                <a:latin typeface="Arial" panose="020B0604020202020204" pitchFamily="34" charset="0"/>
-                <a:cs typeface="Arial" panose="020B0604020202020204" pitchFamily="34" charset="0"/>
-              </a:rPr>
-              <a:t>Comparação</a:t>
-            </a:r>
-          </a:p>
-        </p:txBody>
-      </p:sp>
-      <p:sp>
-        <p:nvSpPr>
-          <p:cNvPr id="11" name="Título 1"/>
-          <p:cNvSpPr txBox="1">
-            <a:spLocks/>
-          </p:cNvSpPr>
-          <p:nvPr/>
-        </p:nvSpPr>
-        <p:spPr>
-          <a:xfrm>
-            <a:off x="4253836" y="2205407"/>
-            <a:ext cx="3908801" cy="782997"/>
-          </a:xfrm>
-          <a:prstGeom prst="rect">
-            <a:avLst/>
-          </a:prstGeom>
-          <a:ln>
-            <a:noFill/>
-          </a:ln>
-          <a:effectLst>
-            <a:outerShdw blurRad="44450" dist="27940" dir="5400000" algn="ctr">
-              <a:srgbClr val="000000">
-                <a:alpha val="32000"/>
-              </a:srgbClr>
-            </a:outerShdw>
-          </a:effectLst>
-          <a:scene3d>
-            <a:camera prst="orthographicFront">
-              <a:rot lat="0" lon="0" rev="0"/>
-            </a:camera>
-            <a:lightRig rig="balanced" dir="t">
-              <a:rot lat="0" lon="0" rev="8700000"/>
-            </a:lightRig>
-          </a:scene3d>
-          <a:sp3d>
-            <a:bevelT w="190500" h="38100"/>
-          </a:sp3d>
-        </p:spPr>
-        <p:txBody>
-          <a:bodyPr vert="horz" lIns="91440" tIns="45720" rIns="91440" bIns="45720" rtlCol="0" anchor="ctr">
-            <a:noAutofit/>
-          </a:bodyPr>
-          <a:lstStyle>
-            <a:lvl1pPr algn="ctr" defTabSz="1218804" rtl="0" eaLnBrk="1" latinLnBrk="0" hangingPunct="1">
-              <a:spcBef>
-                <a:spcPct val="0"/>
-              </a:spcBef>
-              <a:buNone/>
-              <a:defRPr sz="5865" kern="1200">
-                <a:solidFill>
-                  <a:schemeClr val="tx1"/>
-                </a:solidFill>
-                <a:latin typeface="+mj-lt"/>
-                <a:ea typeface="+mj-ea"/>
-                <a:cs typeface="+mj-cs"/>
-              </a:defRPr>
-            </a:lvl1pPr>
-          </a:lstStyle>
-          <a:p>
-            <a:pPr algn="l"/>
-            <a:r>
-              <a:rPr lang="pt-BR" sz="3200" dirty="0">
-                <a:solidFill>
-                  <a:srgbClr val="DC474B"/>
-                </a:solidFill>
-                <a:latin typeface="Arial" panose="020B0604020202020204" pitchFamily="34" charset="0"/>
-                <a:cs typeface="Arial" panose="020B0604020202020204" pitchFamily="34" charset="0"/>
-              </a:rPr>
-              <a:t>Se for verdade faça...</a:t>
-            </a:r>
-          </a:p>
-        </p:txBody>
-      </p:sp>
-      <p:sp>
-        <p:nvSpPr>
-          <p:cNvPr id="12" name="Título 1"/>
-          <p:cNvSpPr txBox="1">
-            <a:spLocks/>
-          </p:cNvSpPr>
-          <p:nvPr/>
-        </p:nvSpPr>
-        <p:spPr>
-          <a:xfrm>
-            <a:off x="7888246" y="2154080"/>
-            <a:ext cx="3908801" cy="782997"/>
-          </a:xfrm>
-          <a:prstGeom prst="rect">
-            <a:avLst/>
-          </a:prstGeom>
-          <a:ln>
-            <a:noFill/>
-          </a:ln>
-          <a:effectLst>
-            <a:outerShdw blurRad="44450" dist="27940" dir="5400000" algn="ctr">
-              <a:srgbClr val="000000">
-                <a:alpha val="32000"/>
-              </a:srgbClr>
-            </a:outerShdw>
-          </a:effectLst>
-          <a:scene3d>
-            <a:camera prst="orthographicFront">
-              <a:rot lat="0" lon="0" rev="0"/>
-            </a:camera>
-            <a:lightRig rig="balanced" dir="t">
-              <a:rot lat="0" lon="0" rev="8700000"/>
-            </a:lightRig>
-          </a:scene3d>
-          <a:sp3d>
-            <a:bevelT w="190500" h="38100"/>
-          </a:sp3d>
-        </p:spPr>
-        <p:txBody>
-          <a:bodyPr vert="horz" lIns="91440" tIns="45720" rIns="91440" bIns="45720" rtlCol="0" anchor="ctr">
-            <a:noAutofit/>
-          </a:bodyPr>
-          <a:lstStyle>
-            <a:lvl1pPr algn="ctr" defTabSz="1218804" rtl="0" eaLnBrk="1" latinLnBrk="0" hangingPunct="1">
-              <a:spcBef>
-                <a:spcPct val="0"/>
-              </a:spcBef>
-              <a:buNone/>
-              <a:defRPr sz="5865" kern="1200">
-                <a:solidFill>
-                  <a:schemeClr val="tx1"/>
-                </a:solidFill>
-                <a:latin typeface="+mj-lt"/>
-                <a:ea typeface="+mj-ea"/>
-                <a:cs typeface="+mj-cs"/>
-              </a:defRPr>
-            </a:lvl1pPr>
-          </a:lstStyle>
-          <a:p>
-            <a:pPr algn="l"/>
-            <a:r>
-              <a:rPr lang="pt-BR" sz="3200" dirty="0">
-                <a:solidFill>
-                  <a:srgbClr val="DC474B"/>
-                </a:solidFill>
-                <a:latin typeface="Arial" panose="020B0604020202020204" pitchFamily="34" charset="0"/>
-                <a:cs typeface="Arial" panose="020B0604020202020204" pitchFamily="34" charset="0"/>
-              </a:rPr>
-              <a:t>Se NÃO for verdade faça...</a:t>
-            </a:r>
-          </a:p>
-        </p:txBody>
-      </p:sp>
-      <p:sp>
-        <p:nvSpPr>
-          <p:cNvPr id="13" name="Título 1"/>
-          <p:cNvSpPr txBox="1">
-            <a:spLocks/>
-          </p:cNvSpPr>
-          <p:nvPr/>
-        </p:nvSpPr>
-        <p:spPr>
-          <a:xfrm>
-            <a:off x="3780340" y="3129222"/>
-            <a:ext cx="4382297" cy="640245"/>
-          </a:xfrm>
-          <a:prstGeom prst="rect">
-            <a:avLst/>
-          </a:prstGeom>
-          <a:ln>
-            <a:noFill/>
-          </a:ln>
-          <a:effectLst>
-            <a:outerShdw blurRad="44450" dist="27940" dir="5400000" algn="ctr">
-              <a:srgbClr val="000000">
-                <a:alpha val="32000"/>
-              </a:srgbClr>
-            </a:outerShdw>
-          </a:effectLst>
-          <a:scene3d>
-            <a:camera prst="orthographicFront">
-              <a:rot lat="0" lon="0" rev="0"/>
-            </a:camera>
-            <a:lightRig rig="balanced" dir="t">
-              <a:rot lat="0" lon="0" rev="8700000"/>
-            </a:lightRig>
-          </a:scene3d>
-          <a:sp3d>
-            <a:bevelT w="190500" h="38100"/>
-          </a:sp3d>
-        </p:spPr>
-        <p:txBody>
-          <a:bodyPr vert="horz" lIns="91440" tIns="45720" rIns="91440" bIns="45720" rtlCol="0" anchor="ctr">
-            <a:noAutofit/>
-          </a:bodyPr>
-          <a:lstStyle>
-            <a:lvl1pPr algn="ctr" defTabSz="1218804" rtl="0" eaLnBrk="1" latinLnBrk="0" hangingPunct="1">
-              <a:spcBef>
-                <a:spcPct val="0"/>
-              </a:spcBef>
-              <a:buNone/>
-              <a:defRPr sz="5865" kern="1200">
-                <a:solidFill>
-                  <a:schemeClr val="tx1"/>
-                </a:solidFill>
-                <a:latin typeface="+mj-lt"/>
-                <a:ea typeface="+mj-ea"/>
-                <a:cs typeface="+mj-cs"/>
-              </a:defRPr>
-            </a:lvl1pPr>
-          </a:lstStyle>
-          <a:p>
-            <a:pPr algn="l"/>
-            <a:r>
-              <a:rPr lang="pt-BR" sz="3200" dirty="0">
-                <a:solidFill>
-                  <a:srgbClr val="255EA9"/>
-                </a:solidFill>
-                <a:latin typeface="Arial" panose="020B0604020202020204" pitchFamily="34" charset="0"/>
-                <a:cs typeface="Arial" panose="020B0604020202020204" pitchFamily="34" charset="0"/>
-              </a:rPr>
-              <a:t>[</a:t>
-            </a:r>
-            <a:r>
-              <a:rPr lang="pt-BR" sz="3200" dirty="0" err="1">
-                <a:solidFill>
-                  <a:srgbClr val="255EA9"/>
-                </a:solidFill>
-                <a:latin typeface="Arial" panose="020B0604020202020204" pitchFamily="34" charset="0"/>
-                <a:cs typeface="Arial" panose="020B0604020202020204" pitchFamily="34" charset="0"/>
-              </a:rPr>
-              <a:t>valor_se_verdadeiro</a:t>
-            </a:r>
-            <a:r>
-              <a:rPr lang="pt-BR" sz="3200" dirty="0">
-                <a:solidFill>
-                  <a:srgbClr val="255EA9"/>
-                </a:solidFill>
-                <a:latin typeface="Arial" panose="020B0604020202020204" pitchFamily="34" charset="0"/>
-                <a:cs typeface="Arial" panose="020B0604020202020204" pitchFamily="34" charset="0"/>
-              </a:rPr>
-              <a:t>]; </a:t>
-            </a:r>
-          </a:p>
-        </p:txBody>
-      </p:sp>
-      <p:sp>
-        <p:nvSpPr>
-          <p:cNvPr id="14" name="Título 1"/>
-          <p:cNvSpPr txBox="1">
-            <a:spLocks/>
-          </p:cNvSpPr>
-          <p:nvPr/>
-        </p:nvSpPr>
-        <p:spPr>
-          <a:xfrm>
-            <a:off x="7888156" y="3231875"/>
-            <a:ext cx="3301850" cy="434937"/>
-          </a:xfrm>
-          <a:prstGeom prst="rect">
-            <a:avLst/>
-          </a:prstGeom>
-          <a:ln>
-            <a:noFill/>
-          </a:ln>
-          <a:effectLst>
-            <a:outerShdw blurRad="44450" dist="27940" dir="5400000" algn="ctr">
-              <a:srgbClr val="000000">
-                <a:alpha val="32000"/>
-              </a:srgbClr>
-            </a:outerShdw>
-          </a:effectLst>
-          <a:scene3d>
-            <a:camera prst="orthographicFront">
-              <a:rot lat="0" lon="0" rev="0"/>
-            </a:camera>
-            <a:lightRig rig="balanced" dir="t">
-              <a:rot lat="0" lon="0" rev="8700000"/>
-            </a:lightRig>
-          </a:scene3d>
-          <a:sp3d>
-            <a:bevelT w="190500" h="38100"/>
-          </a:sp3d>
-        </p:spPr>
-        <p:txBody>
-          <a:bodyPr vert="horz" lIns="91440" tIns="45720" rIns="91440" bIns="45720" rtlCol="0" anchor="ctr">
-            <a:noAutofit/>
-          </a:bodyPr>
-          <a:lstStyle>
-            <a:lvl1pPr algn="ctr" defTabSz="1218804" rtl="0" eaLnBrk="1" latinLnBrk="0" hangingPunct="1">
-              <a:spcBef>
-                <a:spcPct val="0"/>
-              </a:spcBef>
-              <a:buNone/>
-              <a:defRPr sz="5865" kern="1200">
-                <a:solidFill>
-                  <a:schemeClr val="tx1"/>
-                </a:solidFill>
-                <a:latin typeface="+mj-lt"/>
-                <a:ea typeface="+mj-ea"/>
-                <a:cs typeface="+mj-cs"/>
-              </a:defRPr>
-            </a:lvl1pPr>
-          </a:lstStyle>
-          <a:p>
-            <a:pPr algn="l"/>
-            <a:r>
-              <a:rPr lang="pt-BR" sz="3200" dirty="0">
-                <a:solidFill>
-                  <a:srgbClr val="255EA9"/>
-                </a:solidFill>
-                <a:latin typeface="Arial" panose="020B0604020202020204" pitchFamily="34" charset="0"/>
-                <a:cs typeface="Arial" panose="020B0604020202020204" pitchFamily="34" charset="0"/>
-              </a:rPr>
-              <a:t>[</a:t>
-            </a:r>
-            <a:r>
-              <a:rPr lang="pt-BR" sz="3200" dirty="0" err="1">
-                <a:solidFill>
-                  <a:srgbClr val="255EA9"/>
-                </a:solidFill>
-                <a:latin typeface="Arial" panose="020B0604020202020204" pitchFamily="34" charset="0"/>
-                <a:cs typeface="Arial" panose="020B0604020202020204" pitchFamily="34" charset="0"/>
-              </a:rPr>
-              <a:t>valor_se_falso</a:t>
-            </a:r>
-            <a:r>
-              <a:rPr lang="pt-BR" sz="3200" dirty="0">
-                <a:solidFill>
-                  <a:srgbClr val="255EA9"/>
-                </a:solidFill>
-                <a:latin typeface="Arial" panose="020B0604020202020204" pitchFamily="34" charset="0"/>
-                <a:cs typeface="Arial" panose="020B0604020202020204" pitchFamily="34" charset="0"/>
-              </a:rPr>
-              <a:t>])</a:t>
-            </a:r>
-          </a:p>
-        </p:txBody>
-      </p:sp>
-    </p:spTree>
-    <p:extLst>
-      <p:ext uri="{BB962C8B-B14F-4D97-AF65-F5344CB8AC3E}">
-        <p14:creationId xmlns:p14="http://schemas.microsoft.com/office/powerpoint/2010/main" val="791039036"/>
-      </p:ext>
-    </p:extLst>
-  </p:cSld>
-  <p:clrMapOvr>
-    <a:masterClrMapping/>
-  </p:clrMapOvr>
-  <mc:AlternateContent xmlns:mc="http://schemas.openxmlformats.org/markup-compatibility/2006" xmlns:p159="http://schemas.microsoft.com/office/powerpoint/2015/09/main">
-    <mc:Choice Requires="p159">
-      <p:transition xmlns:p14="http://schemas.microsoft.com/office/powerpoint/2010/main" spd="slow" p14:dur="2000">
-        <p159:morph option="byObject"/>
-      </p:transition>
-    </mc:Choice>
-    <mc:Fallback xmlns="">
-      <p:transition spd="slow">
-        <p:fade/>
-      </p:transition>
-    </mc:Fallback>
-  </mc:AlternateContent>
-  <p:timing>
-    <p:tnLst>
-      <p:par>
-        <p:cTn id="1" dur="indefinite" restart="never" nodeType="tmRoot">
-          <p:childTnLst>
-            <p:seq concurrent="1" nextAc="seek">
-              <p:cTn id="2" dur="indefinite" nodeType="mainSeq">
-                <p:childTnLst>
-                  <p:par>
-                    <p:cTn id="3" fill="hold">
-                      <p:stCondLst>
-                        <p:cond delay="indefinite"/>
-                      </p:stCondLst>
-                      <p:childTnLst>
-                        <p:par>
-                          <p:cTn id="4" fill="hold">
-                            <p:stCondLst>
-                              <p:cond delay="0"/>
-                            </p:stCondLst>
-                            <p:childTnLst>
-                              <p:par>
-                                <p:cTn id="5" presetID="24" presetClass="emph" presetSubtype="0" fill="hold" grpId="0" nodeType="clickEffect">
-                                  <p:stCondLst>
-                                    <p:cond delay="0"/>
-                                  </p:stCondLst>
-                                  <p:childTnLst>
-                                    <p:animClr clrSpc="hsl" dir="cw">
-                                      <p:cBhvr override="childStyle">
-                                        <p:cTn id="6" dur="500" fill="hold"/>
-                                        <p:tgtEl>
-                                          <p:spTgt spid="7"/>
-                                        </p:tgtEl>
-                                        <p:attrNameLst>
-                                          <p:attrName>style.color</p:attrName>
-                                        </p:attrNameLst>
-                                      </p:cBhvr>
-                                      <p:by>
-                                        <p:hsl h="0" s="-12549" l="-25098"/>
-                                      </p:by>
-                                    </p:animClr>
-                                    <p:animClr clrSpc="hsl" dir="cw">
-                                      <p:cBhvr>
-                                        <p:cTn id="7" dur="500" fill="hold"/>
-                                        <p:tgtEl>
-                                          <p:spTgt spid="7"/>
-                                        </p:tgtEl>
-                                        <p:attrNameLst>
-                                          <p:attrName>fillcolor</p:attrName>
-                                        </p:attrNameLst>
-                                      </p:cBhvr>
-                                      <p:by>
-                                        <p:hsl h="0" s="-12549" l="-25098"/>
-                                      </p:by>
-                                    </p:animClr>
-                                    <p:animClr clrSpc="hsl" dir="cw">
-                                      <p:cBhvr>
-                                        <p:cTn id="8" dur="500" fill="hold"/>
-                                        <p:tgtEl>
-                                          <p:spTgt spid="7"/>
-                                        </p:tgtEl>
-                                        <p:attrNameLst>
-                                          <p:attrName>stroke.color</p:attrName>
-                                        </p:attrNameLst>
-                                      </p:cBhvr>
-                                      <p:by>
-                                        <p:hsl h="0" s="-12549" l="-25098"/>
-                                      </p:by>
-                                    </p:animClr>
-                                    <p:set>
-                                      <p:cBhvr>
-                                        <p:cTn id="9" dur="500" fill="hold"/>
-                                        <p:tgtEl>
-                                          <p:spTgt spid="7"/>
-                                        </p:tgtEl>
-                                        <p:attrNameLst>
-                                          <p:attrName>fill.type</p:attrName>
-                                        </p:attrNameLst>
-                                      </p:cBhvr>
-                                      <p:to>
-                                        <p:strVal val="solid"/>
-                                      </p:to>
-                                    </p:set>
-                                  </p:childTnLst>
-                                </p:cTn>
-                              </p:par>
-                              <p:par>
-                                <p:cTn id="10" presetID="10" presetClass="entr" presetSubtype="0" fill="hold" grpId="0" nodeType="withEffect">
-                                  <p:stCondLst>
-                                    <p:cond delay="0"/>
-                                  </p:stCondLst>
-                                  <p:childTnLst>
-                                    <p:set>
-                                      <p:cBhvr>
-                                        <p:cTn id="11" dur="1" fill="hold">
-                                          <p:stCondLst>
-                                            <p:cond delay="0"/>
-                                          </p:stCondLst>
-                                        </p:cTn>
-                                        <p:tgtEl>
-                                          <p:spTgt spid="10"/>
-                                        </p:tgtEl>
-                                        <p:attrNameLst>
-                                          <p:attrName>style.visibility</p:attrName>
-                                        </p:attrNameLst>
-                                      </p:cBhvr>
-                                      <p:to>
-                                        <p:strVal val="visible"/>
-                                      </p:to>
-                                    </p:set>
-                                    <p:animEffect transition="in" filter="fade">
-                                      <p:cBhvr>
-                                        <p:cTn id="12" dur="500"/>
-                                        <p:tgtEl>
-                                          <p:spTgt spid="10"/>
-                                        </p:tgtEl>
-                                      </p:cBhvr>
-                                    </p:animEffect>
-                                  </p:childTnLst>
-                                </p:cTn>
-                              </p:par>
-                            </p:childTnLst>
-                          </p:cTn>
-                        </p:par>
-                      </p:childTnLst>
-                    </p:cTn>
-                  </p:par>
-                  <p:par>
-                    <p:cTn id="13" fill="hold">
-                      <p:stCondLst>
-                        <p:cond delay="indefinite"/>
-                      </p:stCondLst>
-                      <p:childTnLst>
-                        <p:par>
-                          <p:cTn id="14" fill="hold">
-                            <p:stCondLst>
-                              <p:cond delay="0"/>
-                            </p:stCondLst>
-                            <p:childTnLst>
-                              <p:par>
-                                <p:cTn id="15" presetID="10" presetClass="entr" presetSubtype="0" fill="hold" nodeType="clickEffect">
-                                  <p:stCondLst>
-                                    <p:cond delay="0"/>
-                                  </p:stCondLst>
-                                  <p:childTnLst>
-                                    <p:set>
-                                      <p:cBhvr>
-                                        <p:cTn id="16" dur="1" fill="hold">
-                                          <p:stCondLst>
-                                            <p:cond delay="0"/>
-                                          </p:stCondLst>
-                                        </p:cTn>
-                                        <p:tgtEl>
-                                          <p:spTgt spid="9"/>
-                                        </p:tgtEl>
-                                        <p:attrNameLst>
-                                          <p:attrName>style.visibility</p:attrName>
-                                        </p:attrNameLst>
-                                      </p:cBhvr>
-                                      <p:to>
-                                        <p:strVal val="visible"/>
-                                      </p:to>
-                                    </p:set>
-                                    <p:animEffect transition="in" filter="fade">
-                                      <p:cBhvr>
-                                        <p:cTn id="17" dur="500"/>
-                                        <p:tgtEl>
-                                          <p:spTgt spid="9"/>
-                                        </p:tgtEl>
-                                      </p:cBhvr>
-                                    </p:animEffect>
-                                  </p:childTnLst>
-                                </p:cTn>
-                              </p:par>
-                            </p:childTnLst>
-                          </p:cTn>
-                        </p:par>
-                      </p:childTnLst>
-                    </p:cTn>
-                  </p:par>
-                  <p:par>
-                    <p:cTn id="18" fill="hold">
-                      <p:stCondLst>
-                        <p:cond delay="indefinite"/>
-                      </p:stCondLst>
-                      <p:childTnLst>
-                        <p:par>
-                          <p:cTn id="19" fill="hold">
-                            <p:stCondLst>
-                              <p:cond delay="0"/>
-                            </p:stCondLst>
-                            <p:childTnLst>
-                              <p:par>
-                                <p:cTn id="20" presetID="10" presetClass="exit" presetSubtype="0" fill="hold" grpId="1" nodeType="clickEffect">
-                                  <p:stCondLst>
-                                    <p:cond delay="0"/>
-                                  </p:stCondLst>
-                                  <p:childTnLst>
-                                    <p:animEffect transition="out" filter="fade">
-                                      <p:cBhvr>
-                                        <p:cTn id="21" dur="500"/>
-                                        <p:tgtEl>
-                                          <p:spTgt spid="10"/>
-                                        </p:tgtEl>
-                                      </p:cBhvr>
-                                    </p:animEffect>
-                                    <p:set>
-                                      <p:cBhvr>
-                                        <p:cTn id="22" dur="1" fill="hold">
-                                          <p:stCondLst>
-                                            <p:cond delay="499"/>
-                                          </p:stCondLst>
-                                        </p:cTn>
-                                        <p:tgtEl>
-                                          <p:spTgt spid="10"/>
-                                        </p:tgtEl>
-                                        <p:attrNameLst>
-                                          <p:attrName>style.visibility</p:attrName>
-                                        </p:attrNameLst>
-                                      </p:cBhvr>
-                                      <p:to>
-                                        <p:strVal val="hidden"/>
-                                      </p:to>
-                                    </p:set>
-                                  </p:childTnLst>
-                                </p:cTn>
-                              </p:par>
-                              <p:par>
-                                <p:cTn id="23" presetID="10" presetClass="exit" presetSubtype="0" fill="hold" nodeType="withEffect">
-                                  <p:stCondLst>
-                                    <p:cond delay="0"/>
-                                  </p:stCondLst>
-                                  <p:childTnLst>
-                                    <p:animEffect transition="out" filter="fade">
-                                      <p:cBhvr>
-                                        <p:cTn id="24" dur="500"/>
-                                        <p:tgtEl>
-                                          <p:spTgt spid="9"/>
-                                        </p:tgtEl>
-                                      </p:cBhvr>
-                                    </p:animEffect>
-                                    <p:set>
-                                      <p:cBhvr>
-                                        <p:cTn id="25" dur="1" fill="hold">
-                                          <p:stCondLst>
-                                            <p:cond delay="499"/>
-                                          </p:stCondLst>
-                                        </p:cTn>
-                                        <p:tgtEl>
-                                          <p:spTgt spid="9"/>
-                                        </p:tgtEl>
-                                        <p:attrNameLst>
-                                          <p:attrName>style.visibility</p:attrName>
-                                        </p:attrNameLst>
-                                      </p:cBhvr>
-                                      <p:to>
-                                        <p:strVal val="hidden"/>
-                                      </p:to>
-                                    </p:set>
-                                  </p:childTnLst>
-                                </p:cTn>
-                              </p:par>
-                            </p:childTnLst>
-                          </p:cTn>
-                        </p:par>
-                      </p:childTnLst>
-                    </p:cTn>
-                  </p:par>
-                  <p:par>
-                    <p:cTn id="26" fill="hold">
-                      <p:stCondLst>
-                        <p:cond delay="indefinite"/>
-                      </p:stCondLst>
-                      <p:childTnLst>
-                        <p:par>
-                          <p:cTn id="27" fill="hold">
-                            <p:stCondLst>
-                              <p:cond delay="0"/>
-                            </p:stCondLst>
-                            <p:childTnLst>
-                              <p:par>
-                                <p:cTn id="28" presetID="24" presetClass="emph" presetSubtype="0" fill="hold" grpId="0" nodeType="clickEffect">
-                                  <p:stCondLst>
-                                    <p:cond delay="0"/>
-                                  </p:stCondLst>
-                                  <p:childTnLst>
-                                    <p:animClr clrSpc="hsl" dir="cw">
-                                      <p:cBhvr override="childStyle">
-                                        <p:cTn id="29" dur="500" fill="hold"/>
-                                        <p:tgtEl>
-                                          <p:spTgt spid="13"/>
-                                        </p:tgtEl>
-                                        <p:attrNameLst>
-                                          <p:attrName>style.color</p:attrName>
-                                        </p:attrNameLst>
-                                      </p:cBhvr>
-                                      <p:by>
-                                        <p:hsl h="0" s="-12549" l="-25098"/>
-                                      </p:by>
-                                    </p:animClr>
-                                    <p:animClr clrSpc="hsl" dir="cw">
-                                      <p:cBhvr>
-                                        <p:cTn id="30" dur="500" fill="hold"/>
-                                        <p:tgtEl>
-                                          <p:spTgt spid="13"/>
-                                        </p:tgtEl>
-                                        <p:attrNameLst>
-                                          <p:attrName>fillcolor</p:attrName>
-                                        </p:attrNameLst>
-                                      </p:cBhvr>
-                                      <p:by>
-                                        <p:hsl h="0" s="-12549" l="-25098"/>
-                                      </p:by>
-                                    </p:animClr>
-                                    <p:animClr clrSpc="hsl" dir="cw">
-                                      <p:cBhvr>
-                                        <p:cTn id="31" dur="500" fill="hold"/>
-                                        <p:tgtEl>
-                                          <p:spTgt spid="13"/>
-                                        </p:tgtEl>
-                                        <p:attrNameLst>
-                                          <p:attrName>stroke.color</p:attrName>
-                                        </p:attrNameLst>
-                                      </p:cBhvr>
-                                      <p:by>
-                                        <p:hsl h="0" s="-12549" l="-25098"/>
-                                      </p:by>
-                                    </p:animClr>
-                                    <p:set>
-                                      <p:cBhvr>
-                                        <p:cTn id="32" dur="500" fill="hold"/>
-                                        <p:tgtEl>
-                                          <p:spTgt spid="13"/>
-                                        </p:tgtEl>
-                                        <p:attrNameLst>
-                                          <p:attrName>fill.type</p:attrName>
-                                        </p:attrNameLst>
-                                      </p:cBhvr>
-                                      <p:to>
-                                        <p:strVal val="solid"/>
-                                      </p:to>
-                                    </p:set>
-                                  </p:childTnLst>
-                                </p:cTn>
-                              </p:par>
-                            </p:childTnLst>
-                          </p:cTn>
-                        </p:par>
-                      </p:childTnLst>
-                    </p:cTn>
-                  </p:par>
-                  <p:par>
-                    <p:cTn id="33" fill="hold">
-                      <p:stCondLst>
-                        <p:cond delay="indefinite"/>
-                      </p:stCondLst>
-                      <p:childTnLst>
-                        <p:par>
-                          <p:cTn id="34" fill="hold">
-                            <p:stCondLst>
-                              <p:cond delay="0"/>
-                            </p:stCondLst>
-                            <p:childTnLst>
-                              <p:par>
-                                <p:cTn id="35" presetID="10" presetClass="entr" presetSubtype="0" fill="hold" grpId="0" nodeType="clickEffect">
-                                  <p:stCondLst>
-                                    <p:cond delay="0"/>
-                                  </p:stCondLst>
-                                  <p:childTnLst>
-                                    <p:set>
-                                      <p:cBhvr>
-                                        <p:cTn id="36" dur="1" fill="hold">
-                                          <p:stCondLst>
-                                            <p:cond delay="0"/>
-                                          </p:stCondLst>
-                                        </p:cTn>
-                                        <p:tgtEl>
-                                          <p:spTgt spid="11"/>
-                                        </p:tgtEl>
-                                        <p:attrNameLst>
-                                          <p:attrName>style.visibility</p:attrName>
-                                        </p:attrNameLst>
-                                      </p:cBhvr>
-                                      <p:to>
-                                        <p:strVal val="visible"/>
-                                      </p:to>
-                                    </p:set>
-                                    <p:animEffect transition="in" filter="fade">
-                                      <p:cBhvr>
-                                        <p:cTn id="37" dur="500"/>
-                                        <p:tgtEl>
-                                          <p:spTgt spid="11"/>
-                                        </p:tgtEl>
-                                      </p:cBhvr>
-                                    </p:animEffect>
-                                  </p:childTnLst>
-                                </p:cTn>
-                              </p:par>
-                            </p:childTnLst>
-                          </p:cTn>
-                        </p:par>
-                      </p:childTnLst>
-                    </p:cTn>
-                  </p:par>
-                  <p:par>
-                    <p:cTn id="38" fill="hold">
-                      <p:stCondLst>
-                        <p:cond delay="indefinite"/>
-                      </p:stCondLst>
-                      <p:childTnLst>
-                        <p:par>
-                          <p:cTn id="39" fill="hold">
-                            <p:stCondLst>
-                              <p:cond delay="0"/>
-                            </p:stCondLst>
-                            <p:childTnLst>
-                              <p:par>
-                                <p:cTn id="40" presetID="10" presetClass="exit" presetSubtype="0" fill="hold" grpId="1" nodeType="clickEffect">
-                                  <p:stCondLst>
-                                    <p:cond delay="0"/>
-                                  </p:stCondLst>
-                                  <p:childTnLst>
-                                    <p:animEffect transition="out" filter="fade">
-                                      <p:cBhvr>
-                                        <p:cTn id="41" dur="500"/>
-                                        <p:tgtEl>
-                                          <p:spTgt spid="11"/>
-                                        </p:tgtEl>
-                                      </p:cBhvr>
-                                    </p:animEffect>
-                                    <p:set>
-                                      <p:cBhvr>
-                                        <p:cTn id="42" dur="1" fill="hold">
-                                          <p:stCondLst>
-                                            <p:cond delay="499"/>
-                                          </p:stCondLst>
-                                        </p:cTn>
-                                        <p:tgtEl>
-                                          <p:spTgt spid="11"/>
-                                        </p:tgtEl>
-                                        <p:attrNameLst>
-                                          <p:attrName>style.visibility</p:attrName>
-                                        </p:attrNameLst>
-                                      </p:cBhvr>
-                                      <p:to>
-                                        <p:strVal val="hidden"/>
-                                      </p:to>
-                                    </p:set>
-                                  </p:childTnLst>
-                                </p:cTn>
-                              </p:par>
-                            </p:childTnLst>
-                          </p:cTn>
-                        </p:par>
-                      </p:childTnLst>
-                    </p:cTn>
-                  </p:par>
-                  <p:par>
-                    <p:cTn id="43" fill="hold">
-                      <p:stCondLst>
-                        <p:cond delay="indefinite"/>
-                      </p:stCondLst>
-                      <p:childTnLst>
-                        <p:par>
-                          <p:cTn id="44" fill="hold">
-                            <p:stCondLst>
-                              <p:cond delay="0"/>
-                            </p:stCondLst>
-                            <p:childTnLst>
-                              <p:par>
-                                <p:cTn id="45" presetID="24" presetClass="emph" presetSubtype="0" fill="hold" grpId="0" nodeType="clickEffect">
-                                  <p:stCondLst>
-                                    <p:cond delay="0"/>
-                                  </p:stCondLst>
-                                  <p:childTnLst>
-                                    <p:animClr clrSpc="hsl" dir="cw">
-                                      <p:cBhvr override="childStyle">
-                                        <p:cTn id="46" dur="500" fill="hold"/>
-                                        <p:tgtEl>
-                                          <p:spTgt spid="14"/>
-                                        </p:tgtEl>
-                                        <p:attrNameLst>
-                                          <p:attrName>style.color</p:attrName>
-                                        </p:attrNameLst>
-                                      </p:cBhvr>
-                                      <p:by>
-                                        <p:hsl h="0" s="-12549" l="-25098"/>
-                                      </p:by>
-                                    </p:animClr>
-                                    <p:animClr clrSpc="hsl" dir="cw">
-                                      <p:cBhvr>
-                                        <p:cTn id="47" dur="500" fill="hold"/>
-                                        <p:tgtEl>
-                                          <p:spTgt spid="14"/>
-                                        </p:tgtEl>
-                                        <p:attrNameLst>
-                                          <p:attrName>fillcolor</p:attrName>
-                                        </p:attrNameLst>
-                                      </p:cBhvr>
-                                      <p:by>
-                                        <p:hsl h="0" s="-12549" l="-25098"/>
-                                      </p:by>
-                                    </p:animClr>
-                                    <p:animClr clrSpc="hsl" dir="cw">
-                                      <p:cBhvr>
-                                        <p:cTn id="48" dur="500" fill="hold"/>
-                                        <p:tgtEl>
-                                          <p:spTgt spid="14"/>
-                                        </p:tgtEl>
-                                        <p:attrNameLst>
-                                          <p:attrName>stroke.color</p:attrName>
-                                        </p:attrNameLst>
-                                      </p:cBhvr>
-                                      <p:by>
-                                        <p:hsl h="0" s="-12549" l="-25098"/>
-                                      </p:by>
-                                    </p:animClr>
-                                    <p:set>
-                                      <p:cBhvr>
-                                        <p:cTn id="49" dur="500" fill="hold"/>
-                                        <p:tgtEl>
-                                          <p:spTgt spid="14"/>
-                                        </p:tgtEl>
-                                        <p:attrNameLst>
-                                          <p:attrName>fill.type</p:attrName>
-                                        </p:attrNameLst>
-                                      </p:cBhvr>
-                                      <p:to>
-                                        <p:strVal val="solid"/>
-                                      </p:to>
-                                    </p:set>
-                                  </p:childTnLst>
-                                </p:cTn>
-                              </p:par>
-                            </p:childTnLst>
-                          </p:cTn>
-                        </p:par>
-                      </p:childTnLst>
-                    </p:cTn>
-                  </p:par>
-                  <p:par>
-                    <p:cTn id="50" fill="hold">
-                      <p:stCondLst>
-                        <p:cond delay="indefinite"/>
-                      </p:stCondLst>
-                      <p:childTnLst>
-                        <p:par>
-                          <p:cTn id="51" fill="hold">
-                            <p:stCondLst>
-                              <p:cond delay="0"/>
-                            </p:stCondLst>
-                            <p:childTnLst>
-                              <p:par>
-                                <p:cTn id="52" presetID="10" presetClass="entr" presetSubtype="0" fill="hold" grpId="0" nodeType="clickEffect">
-                                  <p:stCondLst>
-                                    <p:cond delay="0"/>
-                                  </p:stCondLst>
-                                  <p:childTnLst>
-                                    <p:set>
-                                      <p:cBhvr>
-                                        <p:cTn id="53" dur="1" fill="hold">
-                                          <p:stCondLst>
-                                            <p:cond delay="0"/>
-                                          </p:stCondLst>
-                                        </p:cTn>
-                                        <p:tgtEl>
-                                          <p:spTgt spid="12"/>
-                                        </p:tgtEl>
-                                        <p:attrNameLst>
-                                          <p:attrName>style.visibility</p:attrName>
-                                        </p:attrNameLst>
-                                      </p:cBhvr>
-                                      <p:to>
-                                        <p:strVal val="visible"/>
-                                      </p:to>
-                                    </p:set>
-                                    <p:animEffect transition="in" filter="fade">
-                                      <p:cBhvr>
-                                        <p:cTn id="54" dur="500"/>
-                                        <p:tgtEl>
-                                          <p:spTgt spid="12"/>
-                                        </p:tgtEl>
-                                      </p:cBhvr>
-                                    </p:animEffect>
-                                  </p:childTnLst>
-                                </p:cTn>
-                              </p:par>
-                            </p:childTnLst>
-                          </p:cTn>
-                        </p:par>
-                      </p:childTnLst>
-                    </p:cTn>
-                  </p:par>
-                  <p:par>
-                    <p:cTn id="55" fill="hold">
-                      <p:stCondLst>
-                        <p:cond delay="indefinite"/>
-                      </p:stCondLst>
-                      <p:childTnLst>
-                        <p:par>
-                          <p:cTn id="56" fill="hold">
-                            <p:stCondLst>
-                              <p:cond delay="0"/>
-                            </p:stCondLst>
-                            <p:childTnLst>
-                              <p:par>
-                                <p:cTn id="57" presetID="10" presetClass="exit" presetSubtype="0" fill="hold" grpId="1" nodeType="clickEffect">
-                                  <p:stCondLst>
-                                    <p:cond delay="0"/>
-                                  </p:stCondLst>
-                                  <p:childTnLst>
-                                    <p:animEffect transition="out" filter="fade">
-                                      <p:cBhvr>
-                                        <p:cTn id="58" dur="500"/>
-                                        <p:tgtEl>
-                                          <p:spTgt spid="12"/>
-                                        </p:tgtEl>
-                                      </p:cBhvr>
-                                    </p:animEffect>
-                                    <p:set>
-                                      <p:cBhvr>
-                                        <p:cTn id="59" dur="1" fill="hold">
-                                          <p:stCondLst>
-                                            <p:cond delay="499"/>
-                                          </p:stCondLst>
-                                        </p:cTn>
-                                        <p:tgtEl>
-                                          <p:spTgt spid="12"/>
-                                        </p:tgtEl>
-                                        <p:attrNameLst>
-                                          <p:attrName>style.visibility</p:attrName>
-                                        </p:attrNameLst>
-                                      </p:cBhvr>
-                                      <p:to>
-                                        <p:strVal val="hidden"/>
-                                      </p:to>
-                                    </p:set>
-                                  </p:childTnLst>
-                                </p:cTn>
-                              </p:par>
-                            </p:childTnLst>
-                          </p:cTn>
-                        </p:par>
-                      </p:childTnLst>
-                    </p:cTn>
-                  </p:par>
-                </p:childTnLst>
-              </p:cTn>
-              <p:prevCondLst>
-                <p:cond evt="onPrev" delay="0">
-                  <p:tgtEl>
-                    <p:sldTgt/>
-                  </p:tgtEl>
-                </p:cond>
-              </p:prevCondLst>
-              <p:nextCondLst>
-                <p:cond evt="onNext" delay="0">
-                  <p:tgtEl>
-                    <p:sldTgt/>
-                  </p:tgtEl>
-                </p:cond>
-              </p:nextCondLst>
-            </p:seq>
-          </p:childTnLst>
-        </p:cTn>
-      </p:par>
-    </p:tnLst>
-    <p:bldLst>
-      <p:bldP spid="7" grpId="0"/>
-      <p:bldP spid="10" grpId="0"/>
-      <p:bldP spid="10" grpId="1"/>
-      <p:bldP spid="11" grpId="0"/>
-      <p:bldP spid="11" grpId="1"/>
-      <p:bldP spid="12" grpId="0"/>
-      <p:bldP spid="12" grpId="1"/>
-      <p:bldP spid="13" grpId="0"/>
-      <p:bldP spid="14" grpId="0"/>
-    </p:bldLst>
-  </p:timing>
-</p:sld>
-</file>
-
-<file path=ppt/slides/slide7.xml><?xml version="1.0" encoding="utf-8"?>
-<p:sld xmlns:a="http://schemas.openxmlformats.org/drawingml/2006/main" xmlns:r="http://schemas.openxmlformats.org/officeDocument/2006/relationships" xmlns:p="http://schemas.openxmlformats.org/presentationml/2006/main">
-  <p:cSld>
-    <p:spTree>
-      <p:nvGrpSpPr>
-        <p:cNvPr id="1" name=""/>
-        <p:cNvGrpSpPr/>
-        <p:nvPr/>
-      </p:nvGrpSpPr>
-      <p:grpSpPr>
-        <a:xfrm>
-          <a:off x="0" y="0"/>
-          <a:ext cx="0" cy="0"/>
-          <a:chOff x="0" y="0"/>
-          <a:chExt cx="0" cy="0"/>
-        </a:xfrm>
-      </p:grpSpPr>
-      <p:sp>
-        <p:nvSpPr>
-          <p:cNvPr id="6" name="Retângulo 5"/>
-          <p:cNvSpPr/>
-          <p:nvPr/>
-        </p:nvSpPr>
-        <p:spPr>
-          <a:xfrm flipH="1">
-            <a:off x="-4763" y="165794"/>
-            <a:ext cx="12192000" cy="1309753"/>
-          </a:xfrm>
-          <a:prstGeom prst="rect">
-            <a:avLst/>
-          </a:prstGeom>
-          <a:solidFill>
-            <a:srgbClr val="DC474B"/>
-          </a:solidFill>
-          <a:ln>
-            <a:noFill/>
-          </a:ln>
-          <a:effectLst>
-            <a:glow>
-              <a:schemeClr val="accent1"/>
-            </a:glow>
-          </a:effectLst>
-        </p:spPr>
-        <p:style>
-          <a:lnRef idx="2">
-            <a:schemeClr val="accent1">
-              <a:shade val="50000"/>
-            </a:schemeClr>
-          </a:lnRef>
-          <a:fillRef idx="1">
-            <a:schemeClr val="accent1"/>
-          </a:fillRef>
-          <a:effectRef idx="0">
-            <a:schemeClr val="accent1"/>
-          </a:effectRef>
-          <a:fontRef idx="minor">
-            <a:schemeClr val="lt1"/>
-          </a:fontRef>
-        </p:style>
-        <p:txBody>
-          <a:bodyPr rtlCol="0" anchor="ctr"/>
-          <a:lstStyle/>
-          <a:p>
-            <a:pPr algn="ctr"/>
-            <a:endParaRPr lang="pt-BR"/>
-          </a:p>
-        </p:txBody>
-      </p:sp>
-      <p:sp>
-        <p:nvSpPr>
-          <p:cNvPr id="2" name="Título 1"/>
-          <p:cNvSpPr>
-            <a:spLocks noGrp="1"/>
-          </p:cNvSpPr>
-          <p:nvPr>
-            <p:ph type="ctrTitle"/>
-          </p:nvPr>
-        </p:nvSpPr>
-        <p:spPr>
-          <a:xfrm>
-            <a:off x="-4763" y="80449"/>
-            <a:ext cx="5684346" cy="1223237"/>
-          </a:xfrm>
-          <a:ln>
-            <a:noFill/>
-          </a:ln>
-          <a:effectLst>
-            <a:outerShdw blurRad="44450" dist="27940" dir="5400000" algn="ctr">
-              <a:schemeClr val="tx1">
-                <a:alpha val="32000"/>
-              </a:schemeClr>
-            </a:outerShdw>
-          </a:effectLst>
-          <a:scene3d>
-            <a:camera prst="orthographicFront">
-              <a:rot lat="0" lon="0" rev="0"/>
-            </a:camera>
-            <a:lightRig rig="balanced" dir="t">
-              <a:rot lat="0" lon="0" rev="8700000"/>
-            </a:lightRig>
-          </a:scene3d>
-          <a:sp3d>
-            <a:bevelT w="190500" h="38100"/>
-          </a:sp3d>
-        </p:spPr>
-        <p:txBody>
-          <a:bodyPr>
-            <a:noAutofit/>
-          </a:bodyPr>
-          <a:lstStyle/>
-          <a:p>
-            <a:pPr algn="l"/>
-            <a:r>
-              <a:rPr lang="pt-BR" sz="8000" dirty="0">
-                <a:solidFill>
-                  <a:schemeClr val="bg1"/>
-                </a:solidFill>
-                <a:latin typeface="Arial" panose="020B0604020202020204" pitchFamily="34" charset="0"/>
-                <a:cs typeface="Arial" panose="020B0604020202020204" pitchFamily="34" charset="0"/>
-              </a:rPr>
-              <a:t>Função Se</a:t>
-            </a:r>
-            <a:r>
-              <a:rPr lang="pt-BR" sz="9600" dirty="0">
-                <a:solidFill>
-                  <a:schemeClr val="bg1"/>
-                </a:solidFill>
-                <a:latin typeface="Arial" panose="020B0604020202020204" pitchFamily="34" charset="0"/>
-                <a:cs typeface="Arial" panose="020B0604020202020204" pitchFamily="34" charset="0"/>
-              </a:rPr>
-              <a:t>:</a:t>
-            </a:r>
-          </a:p>
-        </p:txBody>
-      </p:sp>
-      <p:sp>
-        <p:nvSpPr>
-          <p:cNvPr id="7" name="Título 1"/>
-          <p:cNvSpPr txBox="1">
-            <a:spLocks/>
-          </p:cNvSpPr>
-          <p:nvPr/>
-        </p:nvSpPr>
-        <p:spPr>
-          <a:xfrm>
-            <a:off x="460384" y="3044875"/>
-            <a:ext cx="10047959" cy="808940"/>
-          </a:xfrm>
-          <a:prstGeom prst="rect">
-            <a:avLst/>
-          </a:prstGeom>
-          <a:ln>
-            <a:noFill/>
-          </a:ln>
-          <a:effectLst>
-            <a:outerShdw blurRad="44450" dist="27940" dir="5400000" algn="ctr">
-              <a:srgbClr val="000000">
-                <a:alpha val="32000"/>
-              </a:srgbClr>
-            </a:outerShdw>
-          </a:effectLst>
-          <a:scene3d>
-            <a:camera prst="orthographicFront">
-              <a:rot lat="0" lon="0" rev="0"/>
-            </a:camera>
-            <a:lightRig rig="balanced" dir="t">
-              <a:rot lat="0" lon="0" rev="8700000"/>
-            </a:lightRig>
-          </a:scene3d>
-          <a:sp3d>
-            <a:bevelT w="190500" h="38100"/>
-          </a:sp3d>
-        </p:spPr>
-        <p:txBody>
-          <a:bodyPr vert="horz" lIns="91440" tIns="45720" rIns="91440" bIns="45720" rtlCol="0" anchor="ctr">
-            <a:noAutofit/>
-          </a:bodyPr>
-          <a:lstStyle>
-            <a:lvl1pPr algn="ctr" defTabSz="1218804" rtl="0" eaLnBrk="1" latinLnBrk="0" hangingPunct="1">
-              <a:spcBef>
-                <a:spcPct val="0"/>
-              </a:spcBef>
-              <a:buNone/>
-              <a:defRPr sz="5865" kern="1200">
-                <a:solidFill>
-                  <a:schemeClr val="tx1"/>
-                </a:solidFill>
-                <a:latin typeface="+mj-lt"/>
-                <a:ea typeface="+mj-ea"/>
-                <a:cs typeface="+mj-cs"/>
-              </a:defRPr>
-            </a:lvl1pPr>
-          </a:lstStyle>
-          <a:p>
-            <a:pPr algn="l"/>
-            <a:r>
-              <a:rPr lang="pt-BR" sz="3200" dirty="0">
-                <a:solidFill>
-                  <a:srgbClr val="255EA9"/>
-                </a:solidFill>
-                <a:latin typeface="Arial" panose="020B0604020202020204" pitchFamily="34" charset="0"/>
-                <a:cs typeface="Arial" panose="020B0604020202020204" pitchFamily="34" charset="0"/>
-              </a:rPr>
-              <a:t>=SE(A1=A2; “A1 é igual a A2”; “A1 é diferente de A2”)</a:t>
-            </a:r>
-          </a:p>
-        </p:txBody>
-      </p:sp>
-      <p:grpSp>
-        <p:nvGrpSpPr>
-          <p:cNvPr id="3" name="Grupo 2"/>
-          <p:cNvGrpSpPr/>
-          <p:nvPr/>
-        </p:nvGrpSpPr>
-        <p:grpSpPr>
-          <a:xfrm>
-            <a:off x="9009915" y="332447"/>
-            <a:ext cx="3182085" cy="978406"/>
-            <a:chOff x="9009915" y="332447"/>
-            <a:chExt cx="3182085" cy="978406"/>
-          </a:xfrm>
-        </p:grpSpPr>
-        <p:pic>
-          <p:nvPicPr>
-            <p:cNvPr id="1026" name="Picture 2" descr="http://www.ccbeusorocaba.com.br/wp-content/uploads/2014/10/logo-site.png"/>
-            <p:cNvPicPr>
-              <a:picLocks noChangeAspect="1" noChangeArrowheads="1"/>
-            </p:cNvPicPr>
-            <p:nvPr/>
-          </p:nvPicPr>
-          <p:blipFill rotWithShape="1">
-            <a:blip r:embed="rId2">
-              <a:biLevel thresh="25000"/>
-              <a:extLst>
-                <a:ext uri="{28A0092B-C50C-407E-A947-70E740481C1C}">
-                  <a14:useLocalDpi xmlns:a14="http://schemas.microsoft.com/office/drawing/2010/main" val="0"/>
-                </a:ext>
-              </a:extLst>
-            </a:blip>
-            <a:srcRect b="22842"/>
-            <a:stretch/>
-          </p:blipFill>
-          <p:spPr bwMode="auto">
-            <a:xfrm>
-              <a:off x="9009915" y="332447"/>
-              <a:ext cx="3177322" cy="753404"/>
-            </a:xfrm>
-            <a:prstGeom prst="rect">
-              <a:avLst/>
-            </a:prstGeom>
-            <a:noFill/>
-            <a:effectLst/>
-            <a:extLst>
-              <a:ext uri="{909E8E84-426E-40DD-AFC4-6F175D3DCCD1}">
-                <a14:hiddenFill xmlns:a14="http://schemas.microsoft.com/office/drawing/2010/main">
-                  <a:solidFill>
-                    <a:srgbClr val="FFFFFF"/>
-                  </a:solidFill>
-                </a14:hiddenFill>
-              </a:ext>
-            </a:extLst>
-          </p:spPr>
-        </p:pic>
-        <p:pic>
-          <p:nvPicPr>
-            <p:cNvPr id="8" name="Picture 2" descr="http://www.ccbeusorocaba.com.br/wp-content/uploads/2014/10/logo-site.png"/>
-            <p:cNvPicPr>
-              <a:picLocks noChangeAspect="1" noChangeArrowheads="1"/>
-            </p:cNvPicPr>
-            <p:nvPr/>
-          </p:nvPicPr>
-          <p:blipFill rotWithShape="1">
-            <a:blip r:embed="rId3">
-              <a:biLevel thresh="25000"/>
-              <a:extLst>
-                <a:ext uri="{BEBA8EAE-BF5A-486C-A8C5-ECC9F3942E4B}">
-                  <a14:imgProps xmlns:a14="http://schemas.microsoft.com/office/drawing/2010/main">
-                    <a14:imgLayer r:embed="rId4">
-                      <a14:imgEffect>
-                        <a14:brightnessContrast bright="20000" contrast="-40000"/>
-                      </a14:imgEffect>
-                    </a14:imgLayer>
-                  </a14:imgProps>
-                </a:ext>
-                <a:ext uri="{28A0092B-C50C-407E-A947-70E740481C1C}">
-                  <a14:useLocalDpi xmlns:a14="http://schemas.microsoft.com/office/drawing/2010/main" val="0"/>
-                </a:ext>
-              </a:extLst>
-            </a:blip>
-            <a:srcRect t="76760"/>
-            <a:stretch/>
-          </p:blipFill>
-          <p:spPr bwMode="auto">
-            <a:xfrm>
-              <a:off x="9014678" y="1083922"/>
-              <a:ext cx="3177322" cy="226931"/>
-            </a:xfrm>
-            <a:prstGeom prst="rect">
-              <a:avLst/>
-            </a:prstGeom>
-            <a:noFill/>
-            <a:effectLst/>
-            <a:extLst>
-              <a:ext uri="{909E8E84-426E-40DD-AFC4-6F175D3DCCD1}">
-                <a14:hiddenFill xmlns:a14="http://schemas.microsoft.com/office/drawing/2010/main">
-                  <a:solidFill>
-                    <a:srgbClr val="FFFFFF"/>
-                  </a:solidFill>
-                </a14:hiddenFill>
-              </a:ext>
-            </a:extLst>
-          </p:spPr>
-        </p:pic>
-      </p:grpSp>
-      <p:pic>
-        <p:nvPicPr>
-          <p:cNvPr id="4" name="Imagem 3"/>
-          <p:cNvPicPr>
-            <a:picLocks noChangeAspect="1"/>
-          </p:cNvPicPr>
-          <p:nvPr/>
-        </p:nvPicPr>
-        <p:blipFill rotWithShape="1">
-          <a:blip r:embed="rId5"/>
-          <a:srcRect l="72" t="15489" r="87409" b="67935"/>
-          <a:stretch/>
-        </p:blipFill>
-        <p:spPr>
-          <a:xfrm>
-            <a:off x="774500" y="1629145"/>
-            <a:ext cx="1847851" cy="1310684"/>
-          </a:xfrm>
-          <a:prstGeom prst="rect">
-            <a:avLst/>
-          </a:prstGeom>
-        </p:spPr>
-      </p:pic>
-      <p:sp>
-        <p:nvSpPr>
-          <p:cNvPr id="15" name="Título 1"/>
-          <p:cNvSpPr txBox="1">
-            <a:spLocks/>
-          </p:cNvSpPr>
-          <p:nvPr/>
-        </p:nvSpPr>
-        <p:spPr>
-          <a:xfrm>
-            <a:off x="3486752" y="3834354"/>
-            <a:ext cx="5305556" cy="808940"/>
-          </a:xfrm>
-          <a:prstGeom prst="rect">
-            <a:avLst/>
-          </a:prstGeom>
-          <a:ln>
-            <a:noFill/>
-          </a:ln>
-          <a:effectLst>
-            <a:outerShdw blurRad="44450" dist="27940" dir="5400000" algn="ctr">
-              <a:srgbClr val="000000">
-                <a:alpha val="32000"/>
-              </a:srgbClr>
-            </a:outerShdw>
-          </a:effectLst>
-          <a:scene3d>
-            <a:camera prst="orthographicFront">
-              <a:rot lat="0" lon="0" rev="0"/>
-            </a:camera>
-            <a:lightRig rig="balanced" dir="t">
-              <a:rot lat="0" lon="0" rev="8700000"/>
-            </a:lightRig>
-          </a:scene3d>
-          <a:sp3d>
-            <a:bevelT w="190500" h="38100"/>
-          </a:sp3d>
-        </p:spPr>
-        <p:txBody>
-          <a:bodyPr vert="horz" lIns="91440" tIns="45720" rIns="91440" bIns="45720" rtlCol="0" anchor="ctr">
-            <a:noAutofit/>
-          </a:bodyPr>
-          <a:lstStyle>
-            <a:lvl1pPr algn="ctr" defTabSz="1218804" rtl="0" eaLnBrk="1" latinLnBrk="0" hangingPunct="1">
-              <a:spcBef>
-                <a:spcPct val="0"/>
-              </a:spcBef>
-              <a:buNone/>
-              <a:defRPr sz="5865" kern="1200">
-                <a:solidFill>
-                  <a:schemeClr val="tx1"/>
-                </a:solidFill>
-                <a:latin typeface="+mj-lt"/>
-                <a:ea typeface="+mj-ea"/>
-                <a:cs typeface="+mj-cs"/>
-              </a:defRPr>
-            </a:lvl1pPr>
-          </a:lstStyle>
-          <a:p>
-            <a:pPr algn="l"/>
-            <a:r>
-              <a:rPr lang="pt-BR" sz="4000" dirty="0">
-                <a:solidFill>
-                  <a:srgbClr val="255EA9"/>
-                </a:solidFill>
-                <a:latin typeface="Arial" panose="020B0604020202020204" pitchFamily="34" charset="0"/>
-                <a:cs typeface="Arial" panose="020B0604020202020204" pitchFamily="34" charset="0"/>
-              </a:rPr>
-              <a:t>A1 é menor que A2</a:t>
-            </a:r>
-          </a:p>
-        </p:txBody>
-      </p:sp>
-      <p:pic>
-        <p:nvPicPr>
-          <p:cNvPr id="5" name="Imagem 4">
-            <a:hlinkClick r:id="rId6" action="ppaction://hlinkfile"/>
-          </p:cNvPr>
-          <p:cNvPicPr>
-            <a:picLocks noChangeAspect="1"/>
-          </p:cNvPicPr>
-          <p:nvPr/>
-        </p:nvPicPr>
-        <p:blipFill>
-          <a:blip r:embed="rId7">
-            <a:extLst>
-              <a:ext uri="{28A0092B-C50C-407E-A947-70E740481C1C}">
-                <a14:useLocalDpi xmlns:a14="http://schemas.microsoft.com/office/drawing/2010/main" val="0"/>
-              </a:ext>
-            </a:extLst>
-          </a:blip>
-          <a:stretch>
-            <a:fillRect/>
-          </a:stretch>
-        </p:blipFill>
-        <p:spPr>
-          <a:xfrm>
-            <a:off x="10252391" y="4963904"/>
-            <a:ext cx="1540553" cy="1540553"/>
-          </a:xfrm>
-          <a:prstGeom prst="rect">
-            <a:avLst/>
-          </a:prstGeom>
-        </p:spPr>
-      </p:pic>
-      <p:sp>
-        <p:nvSpPr>
-          <p:cNvPr id="11" name="Título 1"/>
-          <p:cNvSpPr txBox="1">
-            <a:spLocks/>
-          </p:cNvSpPr>
-          <p:nvPr/>
-        </p:nvSpPr>
-        <p:spPr>
-          <a:xfrm>
-            <a:off x="2837410" y="3030807"/>
-            <a:ext cx="4833526" cy="562560"/>
-          </a:xfrm>
-          <a:prstGeom prst="rect">
-            <a:avLst/>
-          </a:prstGeom>
-          <a:ln>
-            <a:noFill/>
-          </a:ln>
-          <a:effectLst>
-            <a:outerShdw blurRad="44450" dist="27940" dir="5400000" algn="ctr">
-              <a:srgbClr val="000000">
-                <a:alpha val="32000"/>
-              </a:srgbClr>
-            </a:outerShdw>
-          </a:effectLst>
-          <a:scene3d>
-            <a:camera prst="orthographicFront">
-              <a:rot lat="0" lon="0" rev="0"/>
-            </a:camera>
-            <a:lightRig rig="balanced" dir="t">
-              <a:rot lat="0" lon="0" rev="8700000"/>
-            </a:lightRig>
-          </a:scene3d>
-          <a:sp3d>
-            <a:bevelT w="190500" h="38100"/>
-          </a:sp3d>
-        </p:spPr>
-        <p:txBody>
-          <a:bodyPr vert="horz" lIns="91440" tIns="45720" rIns="91440" bIns="45720" rtlCol="0" anchor="ctr">
-            <a:noAutofit/>
-          </a:bodyPr>
-          <a:lstStyle>
-            <a:lvl1pPr algn="ctr" defTabSz="1218804" rtl="0" eaLnBrk="1" latinLnBrk="0" hangingPunct="1">
-              <a:spcBef>
-                <a:spcPct val="0"/>
-              </a:spcBef>
-              <a:buNone/>
-              <a:defRPr sz="5865" kern="1200">
-                <a:solidFill>
-                  <a:schemeClr val="tx1"/>
-                </a:solidFill>
-                <a:latin typeface="+mj-lt"/>
-                <a:ea typeface="+mj-ea"/>
-                <a:cs typeface="+mj-cs"/>
-              </a:defRPr>
-            </a:lvl1pPr>
-          </a:lstStyle>
-          <a:p>
-            <a:pPr algn="l"/>
-            <a:r>
-              <a:rPr lang="pt-BR" sz="4000" dirty="0">
-                <a:solidFill>
-                  <a:srgbClr val="255EA9"/>
-                </a:solidFill>
-                <a:latin typeface="Arial" panose="020B0604020202020204" pitchFamily="34" charset="0"/>
-                <a:cs typeface="Arial" panose="020B0604020202020204" pitchFamily="34" charset="0"/>
-              </a:rPr>
-              <a:t>A1 é diferente de A2</a:t>
-            </a:r>
-          </a:p>
-        </p:txBody>
-      </p:sp>
-      <p:sp>
-        <p:nvSpPr>
-          <p:cNvPr id="12" name="Título 1"/>
-          <p:cNvSpPr txBox="1">
-            <a:spLocks/>
-          </p:cNvSpPr>
-          <p:nvPr/>
-        </p:nvSpPr>
-        <p:spPr>
-          <a:xfrm>
-            <a:off x="612784" y="4006215"/>
-            <a:ext cx="10047959" cy="808940"/>
-          </a:xfrm>
-          <a:prstGeom prst="rect">
-            <a:avLst/>
-          </a:prstGeom>
-          <a:ln>
-            <a:noFill/>
-          </a:ln>
-          <a:effectLst>
-            <a:outerShdw blurRad="44450" dist="27940" dir="5400000" algn="ctr">
-              <a:srgbClr val="000000">
-                <a:alpha val="32000"/>
-              </a:srgbClr>
-            </a:outerShdw>
-          </a:effectLst>
-          <a:scene3d>
-            <a:camera prst="orthographicFront">
-              <a:rot lat="0" lon="0" rev="0"/>
-            </a:camera>
-            <a:lightRig rig="balanced" dir="t">
-              <a:rot lat="0" lon="0" rev="8700000"/>
-            </a:lightRig>
-          </a:scene3d>
-          <a:sp3d>
-            <a:bevelT w="190500" h="38100"/>
-          </a:sp3d>
-        </p:spPr>
-        <p:txBody>
-          <a:bodyPr vert="horz" lIns="91440" tIns="45720" rIns="91440" bIns="45720" rtlCol="0" anchor="ctr">
-            <a:noAutofit/>
-          </a:bodyPr>
-          <a:lstStyle>
-            <a:lvl1pPr algn="ctr" defTabSz="1218804" rtl="0" eaLnBrk="1" latinLnBrk="0" hangingPunct="1">
-              <a:spcBef>
-                <a:spcPct val="0"/>
-              </a:spcBef>
-              <a:buNone/>
-              <a:defRPr sz="5865" kern="1200">
-                <a:solidFill>
-                  <a:schemeClr val="tx1"/>
-                </a:solidFill>
-                <a:latin typeface="+mj-lt"/>
-                <a:ea typeface="+mj-ea"/>
-                <a:cs typeface="+mj-cs"/>
-              </a:defRPr>
-            </a:lvl1pPr>
-          </a:lstStyle>
-          <a:p>
-            <a:pPr algn="l"/>
-            <a:r>
-              <a:rPr lang="pt-BR" sz="3200" dirty="0">
-                <a:solidFill>
-                  <a:srgbClr val="255EA9"/>
-                </a:solidFill>
-                <a:latin typeface="Arial" panose="020B0604020202020204" pitchFamily="34" charset="0"/>
-                <a:cs typeface="Arial" panose="020B0604020202020204" pitchFamily="34" charset="0"/>
-              </a:rPr>
-              <a:t>=SE(A1&gt;A2; “A1 é maior A2”; “A1 é menor que A2”)</a:t>
-            </a:r>
-          </a:p>
-        </p:txBody>
-      </p:sp>
-    </p:spTree>
-    <p:extLst>
-      <p:ext uri="{BB962C8B-B14F-4D97-AF65-F5344CB8AC3E}">
-        <p14:creationId xmlns:p14="http://schemas.microsoft.com/office/powerpoint/2010/main" val="283613633"/>
-      </p:ext>
-    </p:extLst>
-  </p:cSld>
-  <p:clrMapOvr>
-    <a:masterClrMapping/>
-  </p:clrMapOvr>
-  <mc:AlternateContent xmlns:mc="http://schemas.openxmlformats.org/markup-compatibility/2006" xmlns:p159="http://schemas.microsoft.com/office/powerpoint/2015/09/main">
-    <mc:Choice Requires="p159">
-      <p:transition xmlns:p14="http://schemas.microsoft.com/office/powerpoint/2010/main" spd="slow" p14:dur="2000">
-        <p159:morph option="byObject"/>
-      </p:transition>
-    </mc:Choice>
-    <mc:Fallback xmlns="">
-      <p:transition spd="slow">
-        <p:fade/>
-      </p:transition>
-    </mc:Fallback>
-  </mc:AlternateContent>
-  <p:timing>
-    <p:tnLst>
-      <p:par>
-        <p:cTn id="1" dur="indefinite" restart="never" nodeType="tmRoot">
-          <p:childTnLst>
-            <p:seq concurrent="1" nextAc="seek">
-              <p:cTn id="2" dur="indefinite" nodeType="mainSeq">
-                <p:childTnLst>
-                  <p:par>
-                    <p:cTn id="3" fill="hold">
-                      <p:stCondLst>
-                        <p:cond delay="indefinite"/>
-                      </p:stCondLst>
-                      <p:childTnLst>
-                        <p:par>
-                          <p:cTn id="4" fill="hold">
-                            <p:stCondLst>
-                              <p:cond delay="0"/>
-                            </p:stCondLst>
-                            <p:childTnLst>
-                              <p:par>
-                                <p:cTn id="5" presetID="10" presetClass="entr" presetSubtype="0" fill="hold" grpId="0" nodeType="clickEffect">
-                                  <p:stCondLst>
-                                    <p:cond delay="0"/>
-                                  </p:stCondLst>
-                                  <p:childTnLst>
-                                    <p:set>
-                                      <p:cBhvr>
-                                        <p:cTn id="6" dur="1" fill="hold">
-                                          <p:stCondLst>
-                                            <p:cond delay="0"/>
-                                          </p:stCondLst>
-                                        </p:cTn>
-                                        <p:tgtEl>
-                                          <p:spTgt spid="7"/>
-                                        </p:tgtEl>
-                                        <p:attrNameLst>
-                                          <p:attrName>style.visibility</p:attrName>
-                                        </p:attrNameLst>
-                                      </p:cBhvr>
-                                      <p:to>
-                                        <p:strVal val="visible"/>
-                                      </p:to>
-                                    </p:set>
-                                    <p:animEffect transition="in" filter="fade">
-                                      <p:cBhvr>
-                                        <p:cTn id="7" dur="500"/>
-                                        <p:tgtEl>
-                                          <p:spTgt spid="7"/>
-                                        </p:tgtEl>
-                                      </p:cBhvr>
-                                    </p:animEffect>
-                                  </p:childTnLst>
-                                </p:cTn>
-                              </p:par>
-                            </p:childTnLst>
-                          </p:cTn>
-                        </p:par>
-                      </p:childTnLst>
-                    </p:cTn>
-                  </p:par>
-                  <p:par>
-                    <p:cTn id="8" fill="hold">
-                      <p:stCondLst>
-                        <p:cond delay="indefinite"/>
-                      </p:stCondLst>
-                      <p:childTnLst>
-                        <p:par>
-                          <p:cTn id="9" fill="hold">
-                            <p:stCondLst>
-                              <p:cond delay="0"/>
-                            </p:stCondLst>
-                            <p:childTnLst>
-                              <p:par>
-                                <p:cTn id="10" presetID="10" presetClass="exit" presetSubtype="0" fill="hold" grpId="1" nodeType="clickEffect">
-                                  <p:stCondLst>
-                                    <p:cond delay="0"/>
-                                  </p:stCondLst>
-                                  <p:childTnLst>
-                                    <p:animEffect transition="out" filter="fade">
-                                      <p:cBhvr>
-                                        <p:cTn id="11" dur="500"/>
-                                        <p:tgtEl>
-                                          <p:spTgt spid="7"/>
-                                        </p:tgtEl>
-                                      </p:cBhvr>
-                                    </p:animEffect>
-                                    <p:set>
-                                      <p:cBhvr>
-                                        <p:cTn id="12" dur="1" fill="hold">
-                                          <p:stCondLst>
-                                            <p:cond delay="499"/>
-                                          </p:stCondLst>
-                                        </p:cTn>
-                                        <p:tgtEl>
-                                          <p:spTgt spid="7"/>
-                                        </p:tgtEl>
-                                        <p:attrNameLst>
-                                          <p:attrName>style.visibility</p:attrName>
-                                        </p:attrNameLst>
-                                      </p:cBhvr>
-                                      <p:to>
-                                        <p:strVal val="hidden"/>
-                                      </p:to>
-                                    </p:set>
-                                  </p:childTnLst>
-                                </p:cTn>
-                              </p:par>
-                            </p:childTnLst>
-                          </p:cTn>
-                        </p:par>
-                      </p:childTnLst>
-                    </p:cTn>
-                  </p:par>
-                  <p:par>
-                    <p:cTn id="13" fill="hold">
-                      <p:stCondLst>
-                        <p:cond delay="indefinite"/>
-                      </p:stCondLst>
-                      <p:childTnLst>
-                        <p:par>
-                          <p:cTn id="14" fill="hold">
-                            <p:stCondLst>
-                              <p:cond delay="0"/>
-                            </p:stCondLst>
-                            <p:childTnLst>
-                              <p:par>
-                                <p:cTn id="15" presetID="10" presetClass="entr" presetSubtype="0" fill="hold" grpId="0" nodeType="clickEffect">
-                                  <p:stCondLst>
-                                    <p:cond delay="0"/>
-                                  </p:stCondLst>
-                                  <p:childTnLst>
-                                    <p:set>
-                                      <p:cBhvr>
-                                        <p:cTn id="16" dur="1" fill="hold">
-                                          <p:stCondLst>
-                                            <p:cond delay="0"/>
-                                          </p:stCondLst>
-                                        </p:cTn>
-                                        <p:tgtEl>
-                                          <p:spTgt spid="11"/>
-                                        </p:tgtEl>
-                                        <p:attrNameLst>
-                                          <p:attrName>style.visibility</p:attrName>
-                                        </p:attrNameLst>
-                                      </p:cBhvr>
-                                      <p:to>
-                                        <p:strVal val="visible"/>
-                                      </p:to>
-                                    </p:set>
-                                    <p:animEffect transition="in" filter="fade">
-                                      <p:cBhvr>
-                                        <p:cTn id="17" dur="500"/>
-                                        <p:tgtEl>
-                                          <p:spTgt spid="11"/>
-                                        </p:tgtEl>
-                                      </p:cBhvr>
-                                    </p:animEffect>
-                                  </p:childTnLst>
-                                </p:cTn>
-                              </p:par>
-                            </p:childTnLst>
-                          </p:cTn>
-                        </p:par>
-                      </p:childTnLst>
-                    </p:cTn>
-                  </p:par>
-                  <p:par>
-                    <p:cTn id="18" fill="hold">
-                      <p:stCondLst>
-                        <p:cond delay="indefinite"/>
-                      </p:stCondLst>
-                      <p:childTnLst>
-                        <p:par>
-                          <p:cTn id="19" fill="hold">
-                            <p:stCondLst>
-                              <p:cond delay="0"/>
-                            </p:stCondLst>
-                            <p:childTnLst>
-                              <p:par>
-                                <p:cTn id="20" presetID="10" presetClass="exit" presetSubtype="0" fill="hold" grpId="1" nodeType="clickEffect">
-                                  <p:stCondLst>
-                                    <p:cond delay="0"/>
-                                  </p:stCondLst>
-                                  <p:childTnLst>
-                                    <p:animEffect transition="out" filter="fade">
-                                      <p:cBhvr>
-                                        <p:cTn id="21" dur="500"/>
-                                        <p:tgtEl>
-                                          <p:spTgt spid="11"/>
-                                        </p:tgtEl>
-                                      </p:cBhvr>
-                                    </p:animEffect>
-                                    <p:set>
-                                      <p:cBhvr>
-                                        <p:cTn id="22" dur="1" fill="hold">
-                                          <p:stCondLst>
-                                            <p:cond delay="499"/>
-                                          </p:stCondLst>
-                                        </p:cTn>
-                                        <p:tgtEl>
-                                          <p:spTgt spid="11"/>
-                                        </p:tgtEl>
-                                        <p:attrNameLst>
-                                          <p:attrName>style.visibility</p:attrName>
-                                        </p:attrNameLst>
-                                      </p:cBhvr>
-                                      <p:to>
-                                        <p:strVal val="hidden"/>
-                                      </p:to>
-                                    </p:set>
-                                  </p:childTnLst>
-                                </p:cTn>
-                              </p:par>
-                            </p:childTnLst>
-                          </p:cTn>
-                        </p:par>
-                      </p:childTnLst>
-                    </p:cTn>
-                  </p:par>
-                  <p:par>
-                    <p:cTn id="23" fill="hold">
-                      <p:stCondLst>
-                        <p:cond delay="indefinite"/>
-                      </p:stCondLst>
-                      <p:childTnLst>
-                        <p:par>
-                          <p:cTn id="24" fill="hold">
-                            <p:stCondLst>
-                              <p:cond delay="0"/>
-                            </p:stCondLst>
-                            <p:childTnLst>
-                              <p:par>
-                                <p:cTn id="25" presetID="10" presetClass="entr" presetSubtype="0" fill="hold" grpId="0" nodeType="clickEffect">
-                                  <p:stCondLst>
-                                    <p:cond delay="0"/>
-                                  </p:stCondLst>
-                                  <p:childTnLst>
-                                    <p:set>
-                                      <p:cBhvr>
-                                        <p:cTn id="26" dur="1" fill="hold">
-                                          <p:stCondLst>
-                                            <p:cond delay="0"/>
-                                          </p:stCondLst>
-                                        </p:cTn>
-                                        <p:tgtEl>
-                                          <p:spTgt spid="12"/>
-                                        </p:tgtEl>
-                                        <p:attrNameLst>
-                                          <p:attrName>style.visibility</p:attrName>
-                                        </p:attrNameLst>
-                                      </p:cBhvr>
-                                      <p:to>
-                                        <p:strVal val="visible"/>
-                                      </p:to>
-                                    </p:set>
-                                    <p:animEffect transition="in" filter="fade">
-                                      <p:cBhvr>
-                                        <p:cTn id="27" dur="500"/>
-                                        <p:tgtEl>
-                                          <p:spTgt spid="12"/>
-                                        </p:tgtEl>
-                                      </p:cBhvr>
-                                    </p:animEffect>
-                                  </p:childTnLst>
-                                </p:cTn>
-                              </p:par>
-                            </p:childTnLst>
-                          </p:cTn>
-                        </p:par>
-                      </p:childTnLst>
-                    </p:cTn>
-                  </p:par>
-                  <p:par>
-                    <p:cTn id="28" fill="hold">
-                      <p:stCondLst>
-                        <p:cond delay="indefinite"/>
-                      </p:stCondLst>
-                      <p:childTnLst>
-                        <p:par>
-                          <p:cTn id="29" fill="hold">
-                            <p:stCondLst>
-                              <p:cond delay="0"/>
-                            </p:stCondLst>
-                            <p:childTnLst>
-                              <p:par>
-                                <p:cTn id="30" presetID="10" presetClass="exit" presetSubtype="0" fill="hold" grpId="1" nodeType="clickEffect">
-                                  <p:stCondLst>
-                                    <p:cond delay="0"/>
-                                  </p:stCondLst>
-                                  <p:childTnLst>
-                                    <p:animEffect transition="out" filter="fade">
-                                      <p:cBhvr>
-                                        <p:cTn id="31" dur="500"/>
-                                        <p:tgtEl>
-                                          <p:spTgt spid="12"/>
-                                        </p:tgtEl>
-                                      </p:cBhvr>
-                                    </p:animEffect>
-                                    <p:set>
-                                      <p:cBhvr>
-                                        <p:cTn id="32" dur="1" fill="hold">
-                                          <p:stCondLst>
-                                            <p:cond delay="499"/>
-                                          </p:stCondLst>
-                                        </p:cTn>
-                                        <p:tgtEl>
-                                          <p:spTgt spid="12"/>
-                                        </p:tgtEl>
-                                        <p:attrNameLst>
-                                          <p:attrName>style.visibility</p:attrName>
-                                        </p:attrNameLst>
-                                      </p:cBhvr>
-                                      <p:to>
-                                        <p:strVal val="hidden"/>
-                                      </p:to>
-                                    </p:set>
-                                  </p:childTnLst>
-                                </p:cTn>
-                              </p:par>
-                            </p:childTnLst>
-                          </p:cTn>
-                        </p:par>
-                      </p:childTnLst>
-                    </p:cTn>
-                  </p:par>
-                  <p:par>
-                    <p:cTn id="33" fill="hold">
-                      <p:stCondLst>
-                        <p:cond delay="indefinite"/>
-                      </p:stCondLst>
-                      <p:childTnLst>
-                        <p:par>
-                          <p:cTn id="34" fill="hold">
-                            <p:stCondLst>
-                              <p:cond delay="0"/>
-                            </p:stCondLst>
-                            <p:childTnLst>
-                              <p:par>
-                                <p:cTn id="35" presetID="10" presetClass="entr" presetSubtype="0" fill="hold" grpId="0" nodeType="clickEffect">
-                                  <p:stCondLst>
-                                    <p:cond delay="0"/>
-                                  </p:stCondLst>
-                                  <p:childTnLst>
-                                    <p:set>
-                                      <p:cBhvr>
-                                        <p:cTn id="36" dur="1" fill="hold">
-                                          <p:stCondLst>
-                                            <p:cond delay="0"/>
-                                          </p:stCondLst>
-                                        </p:cTn>
-                                        <p:tgtEl>
-                                          <p:spTgt spid="15"/>
-                                        </p:tgtEl>
-                                        <p:attrNameLst>
-                                          <p:attrName>style.visibility</p:attrName>
-                                        </p:attrNameLst>
-                                      </p:cBhvr>
-                                      <p:to>
-                                        <p:strVal val="visible"/>
-                                      </p:to>
-                                    </p:set>
-                                    <p:animEffect transition="in" filter="fade">
-                                      <p:cBhvr>
-                                        <p:cTn id="37" dur="500"/>
-                                        <p:tgtEl>
-                                          <p:spTgt spid="15"/>
-                                        </p:tgtEl>
-                                      </p:cBhvr>
-                                    </p:animEffect>
-                                  </p:childTnLst>
-                                </p:cTn>
-                              </p:par>
-                            </p:childTnLst>
-                          </p:cTn>
-                        </p:par>
-                      </p:childTnLst>
-                    </p:cTn>
-                  </p:par>
-                  <p:par>
-                    <p:cTn id="38" fill="hold">
-                      <p:stCondLst>
-                        <p:cond delay="indefinite"/>
-                      </p:stCondLst>
-                      <p:childTnLst>
-                        <p:par>
-                          <p:cTn id="39" fill="hold">
-                            <p:stCondLst>
-                              <p:cond delay="0"/>
-                            </p:stCondLst>
-                            <p:childTnLst>
-                              <p:par>
-                                <p:cTn id="40" presetID="10" presetClass="exit" presetSubtype="0" fill="hold" grpId="1" nodeType="clickEffect">
-                                  <p:stCondLst>
-                                    <p:cond delay="0"/>
-                                  </p:stCondLst>
-                                  <p:childTnLst>
-                                    <p:animEffect transition="out" filter="fade">
-                                      <p:cBhvr>
-                                        <p:cTn id="41" dur="500"/>
-                                        <p:tgtEl>
-                                          <p:spTgt spid="15"/>
-                                        </p:tgtEl>
-                                      </p:cBhvr>
-                                    </p:animEffect>
-                                    <p:set>
-                                      <p:cBhvr>
-                                        <p:cTn id="42" dur="1" fill="hold">
-                                          <p:stCondLst>
-                                            <p:cond delay="499"/>
-                                          </p:stCondLst>
-                                        </p:cTn>
-                                        <p:tgtEl>
-                                          <p:spTgt spid="15"/>
-                                        </p:tgtEl>
-                                        <p:attrNameLst>
-                                          <p:attrName>style.visibility</p:attrName>
-                                        </p:attrNameLst>
-                                      </p:cBhvr>
-                                      <p:to>
-                                        <p:strVal val="hidden"/>
-                                      </p:to>
-                                    </p:set>
-                                  </p:childTnLst>
-                                </p:cTn>
-                              </p:par>
-                            </p:childTnLst>
-                          </p:cTn>
-                        </p:par>
-                      </p:childTnLst>
-                    </p:cTn>
-                  </p:par>
-                  <p:par>
-                    <p:cTn id="43" fill="hold">
-                      <p:stCondLst>
-                        <p:cond delay="indefinite"/>
-                      </p:stCondLst>
-                      <p:childTnLst>
-                        <p:par>
-                          <p:cTn id="44" fill="hold">
-                            <p:stCondLst>
-                              <p:cond delay="0"/>
-                            </p:stCondLst>
-                            <p:childTnLst>
-                              <p:par>
-                                <p:cTn id="45" presetID="10" presetClass="entr" presetSubtype="0" fill="hold" nodeType="clickEffect">
-                                  <p:stCondLst>
-                                    <p:cond delay="0"/>
-                                  </p:stCondLst>
-                                  <p:childTnLst>
-                                    <p:set>
-                                      <p:cBhvr>
-                                        <p:cTn id="46" dur="1" fill="hold">
-                                          <p:stCondLst>
-                                            <p:cond delay="0"/>
-                                          </p:stCondLst>
-                                        </p:cTn>
-                                        <p:tgtEl>
-                                          <p:spTgt spid="5"/>
-                                        </p:tgtEl>
-                                        <p:attrNameLst>
-                                          <p:attrName>style.visibility</p:attrName>
-                                        </p:attrNameLst>
-                                      </p:cBhvr>
-                                      <p:to>
-                                        <p:strVal val="visible"/>
-                                      </p:to>
-                                    </p:set>
-                                    <p:animEffect transition="in" filter="fade">
-                                      <p:cBhvr>
-                                        <p:cTn id="47" dur="500"/>
-                                        <p:tgtEl>
-                                          <p:spTgt spid="5"/>
-                                        </p:tgtEl>
-                                      </p:cBhvr>
-                                    </p:animEffect>
-                                  </p:childTnLst>
-                                </p:cTn>
-                              </p:par>
-                            </p:childTnLst>
-                          </p:cTn>
-                        </p:par>
-                      </p:childTnLst>
-                    </p:cTn>
-                  </p:par>
-                </p:childTnLst>
-              </p:cTn>
-              <p:prevCondLst>
-                <p:cond evt="onPrev" delay="0">
-                  <p:tgtEl>
-                    <p:sldTgt/>
-                  </p:tgtEl>
-                </p:cond>
-              </p:prevCondLst>
-              <p:nextCondLst>
-                <p:cond evt="onNext" delay="0">
-                  <p:tgtEl>
-                    <p:sldTgt/>
-                  </p:tgtEl>
-                </p:cond>
-              </p:nextCondLst>
-            </p:seq>
-          </p:childTnLst>
-        </p:cTn>
-      </p:par>
-    </p:tnLst>
-    <p:bldLst>
-      <p:bldP spid="7" grpId="0"/>
-      <p:bldP spid="7" grpId="1"/>
-      <p:bldP spid="15" grpId="0"/>
-      <p:bldP spid="15" grpId="1"/>
-      <p:bldP spid="11" grpId="0"/>
-      <p:bldP spid="11" grpId="1"/>
-      <p:bldP spid="12" grpId="0"/>
-      <p:bldP spid="12" grpId="1"/>
-    </p:bldLst>
-  </p:timing>
-</p:sld>
-</file>
-
-<file path=ppt/slides/slide8.xml><?xml version="1.0" encoding="utf-8"?>
 <p:sld xmlns:a="http://schemas.openxmlformats.org/drawingml/2006/main" xmlns:r="http://schemas.openxmlformats.org/officeDocument/2006/relationships" xmlns:p="http://schemas.openxmlformats.org/presentationml/2006/main">
   <p:cSld>
     <p:spTree>
@@ -9954,6 +5512,328 @@
       </p:par>
     </p:tnLst>
   </p:timing>
+</p:sld>
+</file>
+
+<file path=ppt/slides/slide5.xml><?xml version="1.0" encoding="utf-8"?>
+<p:sld xmlns:a="http://schemas.openxmlformats.org/drawingml/2006/main" xmlns:r="http://schemas.openxmlformats.org/officeDocument/2006/relationships" xmlns:p="http://schemas.openxmlformats.org/presentationml/2006/main">
+  <p:cSld>
+    <p:spTree>
+      <p:nvGrpSpPr>
+        <p:cNvPr id="1" name=""/>
+        <p:cNvGrpSpPr/>
+        <p:nvPr/>
+      </p:nvGrpSpPr>
+      <p:grpSpPr>
+        <a:xfrm>
+          <a:off x="0" y="0"/>
+          <a:ext cx="0" cy="0"/>
+          <a:chOff x="0" y="0"/>
+          <a:chExt cx="0" cy="0"/>
+        </a:xfrm>
+      </p:grpSpPr>
+      <p:sp>
+        <p:nvSpPr>
+          <p:cNvPr id="6" name="Retângulo 5"/>
+          <p:cNvSpPr/>
+          <p:nvPr/>
+        </p:nvSpPr>
+        <p:spPr>
+          <a:xfrm flipH="1">
+            <a:off x="-4763" y="165794"/>
+            <a:ext cx="12192000" cy="1309753"/>
+          </a:xfrm>
+          <a:prstGeom prst="rect">
+            <a:avLst/>
+          </a:prstGeom>
+          <a:solidFill>
+            <a:srgbClr val="DC474B"/>
+          </a:solidFill>
+          <a:ln>
+            <a:noFill/>
+          </a:ln>
+          <a:effectLst>
+            <a:glow>
+              <a:schemeClr val="accent1"/>
+            </a:glow>
+          </a:effectLst>
+        </p:spPr>
+        <p:style>
+          <a:lnRef idx="2">
+            <a:schemeClr val="accent1">
+              <a:shade val="50000"/>
+            </a:schemeClr>
+          </a:lnRef>
+          <a:fillRef idx="1">
+            <a:schemeClr val="accent1"/>
+          </a:fillRef>
+          <a:effectRef idx="0">
+            <a:schemeClr val="accent1"/>
+          </a:effectRef>
+          <a:fontRef idx="minor">
+            <a:schemeClr val="lt1"/>
+          </a:fontRef>
+        </p:style>
+        <p:txBody>
+          <a:bodyPr rtlCol="0" anchor="ctr"/>
+          <a:lstStyle/>
+          <a:p>
+            <a:pPr algn="ctr"/>
+            <a:endParaRPr lang="pt-BR"/>
+          </a:p>
+        </p:txBody>
+      </p:sp>
+      <p:sp>
+        <p:nvSpPr>
+          <p:cNvPr id="2" name="Título 1"/>
+          <p:cNvSpPr>
+            <a:spLocks noGrp="1"/>
+          </p:cNvSpPr>
+          <p:nvPr>
+            <p:ph type="ctrTitle"/>
+          </p:nvPr>
+        </p:nvSpPr>
+        <p:spPr>
+          <a:xfrm>
+            <a:off x="-4763" y="80449"/>
+            <a:ext cx="9725538" cy="1223237"/>
+          </a:xfrm>
+          <a:ln>
+            <a:noFill/>
+          </a:ln>
+          <a:effectLst>
+            <a:outerShdw blurRad="44450" dist="27940" dir="5400000" algn="ctr">
+              <a:schemeClr val="tx1">
+                <a:alpha val="32000"/>
+              </a:schemeClr>
+            </a:outerShdw>
+          </a:effectLst>
+          <a:scene3d>
+            <a:camera prst="orthographicFront">
+              <a:rot lat="0" lon="0" rev="0"/>
+            </a:camera>
+            <a:lightRig rig="balanced" dir="t">
+              <a:rot lat="0" lon="0" rev="8700000"/>
+            </a:lightRig>
+          </a:scene3d>
+          <a:sp3d>
+            <a:bevelT w="190500" h="38100"/>
+          </a:sp3d>
+        </p:spPr>
+        <p:txBody>
+          <a:bodyPr>
+            <a:noAutofit/>
+          </a:bodyPr>
+          <a:lstStyle/>
+          <a:p>
+            <a:pPr algn="l"/>
+            <a:r>
+              <a:rPr lang="pt-BR" sz="3600" dirty="0">
+                <a:solidFill>
+                  <a:schemeClr val="bg1"/>
+                </a:solidFill>
+                <a:latin typeface="Arial" panose="020B0604020202020204" pitchFamily="34" charset="0"/>
+                <a:cs typeface="Arial" panose="020B0604020202020204" pitchFamily="34" charset="0"/>
+              </a:rPr>
+              <a:t>Referencias Relativas Absolutas, e Mistas:</a:t>
+            </a:r>
+            <a:endParaRPr lang="pt-BR" sz="4400" dirty="0">
+              <a:solidFill>
+                <a:schemeClr val="bg1"/>
+              </a:solidFill>
+              <a:latin typeface="Arial" panose="020B0604020202020204" pitchFamily="34" charset="0"/>
+              <a:cs typeface="Arial" panose="020B0604020202020204" pitchFamily="34" charset="0"/>
+            </a:endParaRPr>
+          </a:p>
+        </p:txBody>
+      </p:sp>
+      <p:grpSp>
+        <p:nvGrpSpPr>
+          <p:cNvPr id="3" name="Grupo 2"/>
+          <p:cNvGrpSpPr/>
+          <p:nvPr/>
+        </p:nvGrpSpPr>
+        <p:grpSpPr>
+          <a:xfrm>
+            <a:off x="9009915" y="332447"/>
+            <a:ext cx="3182085" cy="978406"/>
+            <a:chOff x="9009915" y="332447"/>
+            <a:chExt cx="3182085" cy="978406"/>
+          </a:xfrm>
+        </p:grpSpPr>
+        <p:pic>
+          <p:nvPicPr>
+            <p:cNvPr id="1026" name="Picture 2" descr="http://www.ccbeusorocaba.com.br/wp-content/uploads/2014/10/logo-site.png"/>
+            <p:cNvPicPr>
+              <a:picLocks noChangeAspect="1" noChangeArrowheads="1"/>
+            </p:cNvPicPr>
+            <p:nvPr/>
+          </p:nvPicPr>
+          <p:blipFill rotWithShape="1">
+            <a:blip r:embed="rId2">
+              <a:biLevel thresh="25000"/>
+              <a:extLst>
+                <a:ext uri="{28A0092B-C50C-407E-A947-70E740481C1C}">
+                  <a14:useLocalDpi xmlns:a14="http://schemas.microsoft.com/office/drawing/2010/main" val="0"/>
+                </a:ext>
+              </a:extLst>
+            </a:blip>
+            <a:srcRect b="22842"/>
+            <a:stretch/>
+          </p:blipFill>
+          <p:spPr bwMode="auto">
+            <a:xfrm>
+              <a:off x="9009915" y="332447"/>
+              <a:ext cx="3177322" cy="753404"/>
+            </a:xfrm>
+            <a:prstGeom prst="rect">
+              <a:avLst/>
+            </a:prstGeom>
+            <a:noFill/>
+            <a:effectLst/>
+            <a:extLst>
+              <a:ext uri="{909E8E84-426E-40DD-AFC4-6F175D3DCCD1}">
+                <a14:hiddenFill xmlns:a14="http://schemas.microsoft.com/office/drawing/2010/main">
+                  <a:solidFill>
+                    <a:srgbClr val="FFFFFF"/>
+                  </a:solidFill>
+                </a14:hiddenFill>
+              </a:ext>
+            </a:extLst>
+          </p:spPr>
+        </p:pic>
+        <p:pic>
+          <p:nvPicPr>
+            <p:cNvPr id="8" name="Picture 2" descr="http://www.ccbeusorocaba.com.br/wp-content/uploads/2014/10/logo-site.png"/>
+            <p:cNvPicPr>
+              <a:picLocks noChangeAspect="1" noChangeArrowheads="1"/>
+            </p:cNvPicPr>
+            <p:nvPr/>
+          </p:nvPicPr>
+          <p:blipFill rotWithShape="1">
+            <a:blip r:embed="rId3">
+              <a:biLevel thresh="25000"/>
+              <a:extLst>
+                <a:ext uri="{BEBA8EAE-BF5A-486C-A8C5-ECC9F3942E4B}">
+                  <a14:imgProps xmlns:a14="http://schemas.microsoft.com/office/drawing/2010/main">
+                    <a14:imgLayer r:embed="rId4">
+                      <a14:imgEffect>
+                        <a14:brightnessContrast bright="20000" contrast="-40000"/>
+                      </a14:imgEffect>
+                    </a14:imgLayer>
+                  </a14:imgProps>
+                </a:ext>
+                <a:ext uri="{28A0092B-C50C-407E-A947-70E740481C1C}">
+                  <a14:useLocalDpi xmlns:a14="http://schemas.microsoft.com/office/drawing/2010/main" val="0"/>
+                </a:ext>
+              </a:extLst>
+            </a:blip>
+            <a:srcRect t="76760"/>
+            <a:stretch/>
+          </p:blipFill>
+          <p:spPr bwMode="auto">
+            <a:xfrm>
+              <a:off x="9014678" y="1083922"/>
+              <a:ext cx="3177322" cy="226931"/>
+            </a:xfrm>
+            <a:prstGeom prst="rect">
+              <a:avLst/>
+            </a:prstGeom>
+            <a:noFill/>
+            <a:effectLst/>
+            <a:extLst>
+              <a:ext uri="{909E8E84-426E-40DD-AFC4-6F175D3DCCD1}">
+                <a14:hiddenFill xmlns:a14="http://schemas.microsoft.com/office/drawing/2010/main">
+                  <a:solidFill>
+                    <a:srgbClr val="FFFFFF"/>
+                  </a:solidFill>
+                </a14:hiddenFill>
+              </a:ext>
+            </a:extLst>
+          </p:spPr>
+        </p:pic>
+      </p:grpSp>
+      <p:pic>
+        <p:nvPicPr>
+          <p:cNvPr id="9" name="Gráfico 8" descr="Frasco"/>
+          <p:cNvPicPr>
+            <a:picLocks noChangeAspect="1"/>
+          </p:cNvPicPr>
+          <p:nvPr/>
+        </p:nvPicPr>
+        <p:blipFill>
+          <a:blip r:embed="rId5">
+            <a:extLst>
+              <a:ext uri="{28A0092B-C50C-407E-A947-70E740481C1C}">
+                <a14:useLocalDpi xmlns:a14="http://schemas.microsoft.com/office/drawing/2010/main" val="0"/>
+              </a:ext>
+              <a:ext uri="{96DAC541-7B7A-43D3-8B79-37D633B846F1}">
+                <asvg:svgBlip xmlns:asvg="http://schemas.microsoft.com/office/drawing/2016/SVG/main" r:embed="rId6"/>
+              </a:ext>
+            </a:extLst>
+          </a:blip>
+          <a:stretch>
+            <a:fillRect/>
+          </a:stretch>
+        </p:blipFill>
+        <p:spPr>
+          <a:xfrm>
+            <a:off x="11051979" y="5262733"/>
+            <a:ext cx="1595267" cy="1595267"/>
+          </a:xfrm>
+          <a:prstGeom prst="rect">
+            <a:avLst/>
+          </a:prstGeom>
+          <a:ln>
+            <a:noFill/>
+          </a:ln>
+        </p:spPr>
+      </p:pic>
+      <p:pic>
+        <p:nvPicPr>
+          <p:cNvPr id="7" name="Imagem 6"/>
+          <p:cNvPicPr>
+            <a:picLocks noChangeAspect="1"/>
+          </p:cNvPicPr>
+          <p:nvPr/>
+        </p:nvPicPr>
+        <p:blipFill rotWithShape="1">
+          <a:blip r:embed="rId7"/>
+          <a:srcRect l="27001" t="34065" r="24768" b="23749"/>
+          <a:stretch/>
+        </p:blipFill>
+        <p:spPr>
+          <a:xfrm>
+            <a:off x="956603" y="1837326"/>
+            <a:ext cx="9791114" cy="4564019"/>
+          </a:xfrm>
+          <a:prstGeom prst="rect">
+            <a:avLst/>
+          </a:prstGeom>
+        </p:spPr>
+      </p:pic>
+    </p:spTree>
+    <p:extLst>
+      <p:ext uri="{BB962C8B-B14F-4D97-AF65-F5344CB8AC3E}">
+        <p14:creationId xmlns:p14="http://schemas.microsoft.com/office/powerpoint/2010/main" val="1376125711"/>
+      </p:ext>
+    </p:extLst>
+  </p:cSld>
+  <p:clrMapOvr>
+    <a:masterClrMapping/>
+  </p:clrMapOvr>
+  <mc:AlternateContent xmlns:mc="http://schemas.openxmlformats.org/markup-compatibility/2006" xmlns:p159="http://schemas.microsoft.com/office/powerpoint/2015/09/main">
+    <mc:Choice Requires="p159">
+      <p:transition xmlns:p14="http://schemas.microsoft.com/office/powerpoint/2010/main" spd="slow" p14:dur="2000">
+        <p159:morph option="byObject"/>
+      </p:transition>
+    </mc:Choice>
+    <mc:Fallback xmlns="">
+      <p:transition spd="slow">
+        <p:fade/>
+      </p:transition>
+    </mc:Fallback>
+  </mc:AlternateContent>
 </p:sld>
 </file>
 
